--- a/Chapter_4_Capstone_2_Milestone_Report_1.pptx
+++ b/Chapter_4_Capstone_2_Milestone_Report_1.pptx
@@ -17,8 +17,10 @@
     <p:sldId id="265" r:id="rId14"/>
     <p:sldId id="266" r:id="rId15"/>
     <p:sldId id="280" r:id="rId16"/>
-    <p:sldId id="259" r:id="rId17"/>
-    <p:sldId id="281" r:id="rId18"/>
+    <p:sldId id="282" r:id="rId17"/>
+    <p:sldId id="283" r:id="rId18"/>
+    <p:sldId id="259" r:id="rId19"/>
+    <p:sldId id="281" r:id="rId20"/>
   </p:sldIdLst>
   <p:sldSz cx="12192000" cy="6858000"/>
   <p:notesSz cx="6858000" cy="9144000"/>
@@ -128,13 +130,123 @@
 <file path=ppt/revisionInfo.xml><?xml version="1.0" encoding="utf-8"?>
 <p1510:revInfo xmlns:a="http://schemas.openxmlformats.org/drawingml/2006/main" xmlns:r="http://schemas.openxmlformats.org/officeDocument/2006/relationships" xmlns:p1510="http://schemas.microsoft.com/office/powerpoint/2015/10/main">
   <p1510:revLst>
-    <p1510:client id="{C546B4C0-DE17-41C0-B9F3-8B20B2A005BE}" v="857" dt="2019-10-02T05:48:24.117"/>
+    <p1510:client id="{C546B4C0-DE17-41C0-B9F3-8B20B2A005BE}" v="905" dt="2019-10-08T01:16:54.802"/>
   </p1510:revLst>
 </p1510:revInfo>
 </file>
 
 <file path=ppt/changesInfos/changesInfo1.xml><?xml version="1.0" encoding="utf-8"?>
 <pc:chgInfo xmlns:a="http://schemas.openxmlformats.org/drawingml/2006/main" xmlns:r="http://schemas.openxmlformats.org/officeDocument/2006/relationships" xmlns:ac="http://schemas.microsoft.com/office/drawing/2013/main/command" xmlns:pc="http://schemas.microsoft.com/office/powerpoint/2013/main/command">
+  <pc:docChgLst>
+    <pc:chgData name="Nosbisch, Brock" userId="7e9a922f-63f0-45a6-8d77-37d3cf5d4573" providerId="ADAL" clId="{C546B4C0-DE17-41C0-B9F3-8B20B2A005BE}"/>
+    <pc:docChg chg="custSel addSld modSld">
+      <pc:chgData name="Nosbisch, Brock" userId="7e9a922f-63f0-45a6-8d77-37d3cf5d4573" providerId="ADAL" clId="{C546B4C0-DE17-41C0-B9F3-8B20B2A005BE}" dt="2019-10-08T01:16:54.802" v="47"/>
+      <pc:docMkLst>
+        <pc:docMk/>
+      </pc:docMkLst>
+      <pc:sldChg chg="modSp">
+        <pc:chgData name="Nosbisch, Brock" userId="7e9a922f-63f0-45a6-8d77-37d3cf5d4573" providerId="ADAL" clId="{C546B4C0-DE17-41C0-B9F3-8B20B2A005BE}" dt="2019-10-08T01:16:54.802" v="47"/>
+        <pc:sldMkLst>
+          <pc:docMk/>
+          <pc:sldMk cId="1686420601" sldId="264"/>
+        </pc:sldMkLst>
+        <pc:spChg chg="mod">
+          <ac:chgData name="Nosbisch, Brock" userId="7e9a922f-63f0-45a6-8d77-37d3cf5d4573" providerId="ADAL" clId="{C546B4C0-DE17-41C0-B9F3-8B20B2A005BE}" dt="2019-10-08T01:16:54.802" v="47"/>
+          <ac:spMkLst>
+            <pc:docMk/>
+            <pc:sldMk cId="1686420601" sldId="264"/>
+            <ac:spMk id="3" creationId="{DC17F4F2-12E6-4918-AC58-B47148C463C3}"/>
+          </ac:spMkLst>
+        </pc:spChg>
+      </pc:sldChg>
+      <pc:sldChg chg="addSp delSp modSp add">
+        <pc:chgData name="Nosbisch, Brock" userId="7e9a922f-63f0-45a6-8d77-37d3cf5d4573" providerId="ADAL" clId="{C546B4C0-DE17-41C0-B9F3-8B20B2A005BE}" dt="2019-10-08T01:16:13.136" v="21"/>
+        <pc:sldMkLst>
+          <pc:docMk/>
+          <pc:sldMk cId="287247585" sldId="282"/>
+        </pc:sldMkLst>
+        <pc:spChg chg="mod">
+          <ac:chgData name="Nosbisch, Brock" userId="7e9a922f-63f0-45a6-8d77-37d3cf5d4573" providerId="ADAL" clId="{C546B4C0-DE17-41C0-B9F3-8B20B2A005BE}" dt="2019-10-08T01:15:53.850" v="19" actId="20577"/>
+          <ac:spMkLst>
+            <pc:docMk/>
+            <pc:sldMk cId="287247585" sldId="282"/>
+            <ac:spMk id="2" creationId="{6CEC75AF-E8A3-4B02-8DDF-539884F4F744}"/>
+          </ac:spMkLst>
+        </pc:spChg>
+        <pc:picChg chg="del">
+          <ac:chgData name="Nosbisch, Brock" userId="7e9a922f-63f0-45a6-8d77-37d3cf5d4573" providerId="ADAL" clId="{C546B4C0-DE17-41C0-B9F3-8B20B2A005BE}" dt="2019-10-08T01:15:36.491" v="6" actId="478"/>
+          <ac:picMkLst>
+            <pc:docMk/>
+            <pc:sldMk cId="287247585" sldId="282"/>
+            <ac:picMk id="3" creationId="{8B1A96FA-D525-40BB-B0B7-C3748EE82085}"/>
+          </ac:picMkLst>
+        </pc:picChg>
+        <pc:picChg chg="del">
+          <ac:chgData name="Nosbisch, Brock" userId="7e9a922f-63f0-45a6-8d77-37d3cf5d4573" providerId="ADAL" clId="{C546B4C0-DE17-41C0-B9F3-8B20B2A005BE}" dt="2019-10-08T01:15:36.171" v="5" actId="478"/>
+          <ac:picMkLst>
+            <pc:docMk/>
+            <pc:sldMk cId="287247585" sldId="282"/>
+            <ac:picMk id="4" creationId="{B21E90C0-6B2E-417C-9F21-BB57A9961AC0}"/>
+          </ac:picMkLst>
+        </pc:picChg>
+        <pc:picChg chg="del">
+          <ac:chgData name="Nosbisch, Brock" userId="7e9a922f-63f0-45a6-8d77-37d3cf5d4573" providerId="ADAL" clId="{C546B4C0-DE17-41C0-B9F3-8B20B2A005BE}" dt="2019-10-08T01:15:35.633" v="4" actId="478"/>
+          <ac:picMkLst>
+            <pc:docMk/>
+            <pc:sldMk cId="287247585" sldId="282"/>
+            <ac:picMk id="5" creationId="{2F0E4A1B-7543-4BF6-B088-7C58F8DED6F0}"/>
+          </ac:picMkLst>
+        </pc:picChg>
+        <pc:picChg chg="add mod">
+          <ac:chgData name="Nosbisch, Brock" userId="7e9a922f-63f0-45a6-8d77-37d3cf5d4573" providerId="ADAL" clId="{C546B4C0-DE17-41C0-B9F3-8B20B2A005BE}" dt="2019-10-08T01:15:44.740" v="10" actId="1076"/>
+          <ac:picMkLst>
+            <pc:docMk/>
+            <pc:sldMk cId="287247585" sldId="282"/>
+            <ac:picMk id="6" creationId="{CBA2BDCF-9FEE-434A-94F7-3FAA9813E7B2}"/>
+          </ac:picMkLst>
+        </pc:picChg>
+        <pc:picChg chg="add del">
+          <ac:chgData name="Nosbisch, Brock" userId="7e9a922f-63f0-45a6-8d77-37d3cf5d4573" providerId="ADAL" clId="{C546B4C0-DE17-41C0-B9F3-8B20B2A005BE}" dt="2019-10-08T01:16:13.136" v="21"/>
+          <ac:picMkLst>
+            <pc:docMk/>
+            <pc:sldMk cId="287247585" sldId="282"/>
+            <ac:picMk id="7" creationId="{71BD7DB4-3DF5-4E17-9D79-4953A735EF97}"/>
+          </ac:picMkLst>
+        </pc:picChg>
+      </pc:sldChg>
+      <pc:sldChg chg="addSp delSp modSp add">
+        <pc:chgData name="Nosbisch, Brock" userId="7e9a922f-63f0-45a6-8d77-37d3cf5d4573" providerId="ADAL" clId="{C546B4C0-DE17-41C0-B9F3-8B20B2A005BE}" dt="2019-10-08T01:16:38.381" v="44" actId="1035"/>
+        <pc:sldMkLst>
+          <pc:docMk/>
+          <pc:sldMk cId="1571397694" sldId="283"/>
+        </pc:sldMkLst>
+        <pc:spChg chg="mod">
+          <ac:chgData name="Nosbisch, Brock" userId="7e9a922f-63f0-45a6-8d77-37d3cf5d4573" providerId="ADAL" clId="{C546B4C0-DE17-41C0-B9F3-8B20B2A005BE}" dt="2019-10-08T01:16:21.493" v="33" actId="20577"/>
+          <ac:spMkLst>
+            <pc:docMk/>
+            <pc:sldMk cId="1571397694" sldId="283"/>
+            <ac:spMk id="2" creationId="{6CEC75AF-E8A3-4B02-8DDF-539884F4F744}"/>
+          </ac:spMkLst>
+        </pc:spChg>
+        <pc:picChg chg="del">
+          <ac:chgData name="Nosbisch, Brock" userId="7e9a922f-63f0-45a6-8d77-37d3cf5d4573" providerId="ADAL" clId="{C546B4C0-DE17-41C0-B9F3-8B20B2A005BE}" dt="2019-10-08T01:16:25.609" v="34" actId="478"/>
+          <ac:picMkLst>
+            <pc:docMk/>
+            <pc:sldMk cId="1571397694" sldId="283"/>
+            <ac:picMk id="6" creationId="{CBA2BDCF-9FEE-434A-94F7-3FAA9813E7B2}"/>
+          </ac:picMkLst>
+        </pc:picChg>
+        <pc:picChg chg="add mod">
+          <ac:chgData name="Nosbisch, Brock" userId="7e9a922f-63f0-45a6-8d77-37d3cf5d4573" providerId="ADAL" clId="{C546B4C0-DE17-41C0-B9F3-8B20B2A005BE}" dt="2019-10-08T01:16:38.381" v="44" actId="1035"/>
+          <ac:picMkLst>
+            <pc:docMk/>
+            <pc:sldMk cId="1571397694" sldId="283"/>
+            <ac:picMk id="1026" creationId="{D755DF80-794B-4030-A78D-CC942E9AAB40}"/>
+          </ac:picMkLst>
+        </pc:picChg>
+      </pc:sldChg>
+    </pc:docChg>
+  </pc:docChgLst>
   <pc:docChgLst>
     <pc:chgData name="Nosbisch, Brock" userId="7e9a922f-63f0-45a6-8d77-37d3cf5d4573" providerId="ADAL" clId="{6AF3D94A-B1B8-4B17-8C0F-B9EE52DA24D7}"/>
     <pc:docChg chg="undo custSel addSld delSld modSld sldOrd">
@@ -252,7 +364,7 @@
         </pc:picChg>
       </pc:sldChg>
       <pc:sldChg chg="addSp delSp modSp ord">
-        <pc:chgData name="Nosbisch, Brock" userId="7e9a922f-63f0-45a6-8d77-37d3cf5d4573" providerId="ADAL" clId="{6AF3D94A-B1B8-4B17-8C0F-B9EE52DA24D7}" dt="2019-10-02T05:41:33.726" v="757"/>
+        <pc:chgData name="Nosbisch, Brock" userId="7e9a922f-63f0-45a6-8d77-37d3cf5d4573" providerId="ADAL" clId="{6AF3D94A-B1B8-4B17-8C0F-B9EE52DA24D7}" dt="2019-10-02T05:41:33.726" v="757" actId="14100"/>
         <pc:sldMkLst>
           <pc:docMk/>
           <pc:sldMk cId="1988004695" sldId="259"/>
@@ -400,13 +512,6 @@
           </ac:spMkLst>
         </pc:spChg>
       </pc:sldChg>
-      <pc:sldChg chg="del">
-        <pc:chgData name="Nosbisch, Brock" userId="7e9a922f-63f0-45a6-8d77-37d3cf5d4573" providerId="ADAL" clId="{6AF3D94A-B1B8-4B17-8C0F-B9EE52DA24D7}" dt="2019-10-02T05:44:38.087" v="792" actId="2696"/>
-        <pc:sldMkLst>
-          <pc:docMk/>
-          <pc:sldMk cId="124421746" sldId="262"/>
-        </pc:sldMkLst>
-      </pc:sldChg>
       <pc:sldChg chg="addSp delSp modSp">
         <pc:chgData name="Nosbisch, Brock" userId="7e9a922f-63f0-45a6-8d77-37d3cf5d4573" providerId="ADAL" clId="{6AF3D94A-B1B8-4B17-8C0F-B9EE52DA24D7}" dt="2019-10-02T05:31:07.927" v="536" actId="26606"/>
         <pc:sldMkLst>
@@ -691,84 +796,14 @@
           </ac:cxnSpMkLst>
         </pc:cxnChg>
       </pc:sldChg>
-      <pc:sldChg chg="del">
-        <pc:chgData name="Nosbisch, Brock" userId="7e9a922f-63f0-45a6-8d77-37d3cf5d4573" providerId="ADAL" clId="{6AF3D94A-B1B8-4B17-8C0F-B9EE52DA24D7}" dt="2019-10-02T05:44:38.089" v="793" actId="2696"/>
-        <pc:sldMkLst>
-          <pc:docMk/>
-          <pc:sldMk cId="1306174358" sldId="267"/>
-        </pc:sldMkLst>
-      </pc:sldChg>
-      <pc:sldChg chg="del">
-        <pc:chgData name="Nosbisch, Brock" userId="7e9a922f-63f0-45a6-8d77-37d3cf5d4573" providerId="ADAL" clId="{6AF3D94A-B1B8-4B17-8C0F-B9EE52DA24D7}" dt="2019-10-02T05:44:38.091" v="794" actId="2696"/>
-        <pc:sldMkLst>
-          <pc:docMk/>
-          <pc:sldMk cId="3469561720" sldId="268"/>
-        </pc:sldMkLst>
-      </pc:sldChg>
-      <pc:sldChg chg="del">
-        <pc:chgData name="Nosbisch, Brock" userId="7e9a922f-63f0-45a6-8d77-37d3cf5d4573" providerId="ADAL" clId="{6AF3D94A-B1B8-4B17-8C0F-B9EE52DA24D7}" dt="2019-10-02T05:44:38.093" v="795" actId="2696"/>
-        <pc:sldMkLst>
-          <pc:docMk/>
-          <pc:sldMk cId="3289656495" sldId="269"/>
-        </pc:sldMkLst>
-      </pc:sldChg>
-      <pc:sldChg chg="del">
-        <pc:chgData name="Nosbisch, Brock" userId="7e9a922f-63f0-45a6-8d77-37d3cf5d4573" providerId="ADAL" clId="{6AF3D94A-B1B8-4B17-8C0F-B9EE52DA24D7}" dt="2019-10-02T05:44:38.096" v="796" actId="2696"/>
-        <pc:sldMkLst>
-          <pc:docMk/>
-          <pc:sldMk cId="591423624" sldId="270"/>
-        </pc:sldMkLst>
-      </pc:sldChg>
-      <pc:sldChg chg="del">
-        <pc:chgData name="Nosbisch, Brock" userId="7e9a922f-63f0-45a6-8d77-37d3cf5d4573" providerId="ADAL" clId="{6AF3D94A-B1B8-4B17-8C0F-B9EE52DA24D7}" dt="2019-10-02T05:44:38.098" v="797" actId="2696"/>
-        <pc:sldMkLst>
-          <pc:docMk/>
-          <pc:sldMk cId="919600409" sldId="271"/>
-        </pc:sldMkLst>
-      </pc:sldChg>
-      <pc:sldChg chg="del">
-        <pc:chgData name="Nosbisch, Brock" userId="7e9a922f-63f0-45a6-8d77-37d3cf5d4573" providerId="ADAL" clId="{6AF3D94A-B1B8-4B17-8C0F-B9EE52DA24D7}" dt="2019-10-02T05:44:38.103" v="799" actId="2696"/>
-        <pc:sldMkLst>
-          <pc:docMk/>
-          <pc:sldMk cId="3218054235" sldId="272"/>
-        </pc:sldMkLst>
-      </pc:sldChg>
-      <pc:sldChg chg="del">
-        <pc:chgData name="Nosbisch, Brock" userId="7e9a922f-63f0-45a6-8d77-37d3cf5d4573" providerId="ADAL" clId="{6AF3D94A-B1B8-4B17-8C0F-B9EE52DA24D7}" dt="2019-10-02T05:44:38.101" v="798" actId="2696"/>
-        <pc:sldMkLst>
-          <pc:docMk/>
-          <pc:sldMk cId="530641480" sldId="273"/>
-        </pc:sldMkLst>
-      </pc:sldChg>
-      <pc:sldChg chg="del">
-        <pc:chgData name="Nosbisch, Brock" userId="7e9a922f-63f0-45a6-8d77-37d3cf5d4573" providerId="ADAL" clId="{6AF3D94A-B1B8-4B17-8C0F-B9EE52DA24D7}" dt="2019-10-02T05:44:38.104" v="800" actId="2696"/>
-        <pc:sldMkLst>
-          <pc:docMk/>
-          <pc:sldMk cId="3622641" sldId="274"/>
-        </pc:sldMkLst>
-      </pc:sldChg>
-      <pc:sldChg chg="del">
-        <pc:chgData name="Nosbisch, Brock" userId="7e9a922f-63f0-45a6-8d77-37d3cf5d4573" providerId="ADAL" clId="{6AF3D94A-B1B8-4B17-8C0F-B9EE52DA24D7}" dt="2019-10-02T05:44:38.105" v="801" actId="2696"/>
-        <pc:sldMkLst>
-          <pc:docMk/>
-          <pc:sldMk cId="2186849159" sldId="275"/>
-        </pc:sldMkLst>
-      </pc:sldChg>
-      <pc:sldChg chg="del">
-        <pc:chgData name="Nosbisch, Brock" userId="7e9a922f-63f0-45a6-8d77-37d3cf5d4573" providerId="ADAL" clId="{6AF3D94A-B1B8-4B17-8C0F-B9EE52DA24D7}" dt="2019-10-02T05:44:38.113" v="802" actId="2696"/>
-        <pc:sldMkLst>
-          <pc:docMk/>
-          <pc:sldMk cId="3443148600" sldId="276"/>
-        </pc:sldMkLst>
-      </pc:sldChg>
       <pc:sldChg chg="modSp add">
-        <pc:chgData name="Nosbisch, Brock" userId="7e9a922f-63f0-45a6-8d77-37d3cf5d4573" providerId="ADAL" clId="{6AF3D94A-B1B8-4B17-8C0F-B9EE52DA24D7}" dt="2019-10-02T05:32:04.224" v="552"/>
+        <pc:chgData name="Nosbisch, Brock" userId="7e9a922f-63f0-45a6-8d77-37d3cf5d4573" providerId="ADAL" clId="{6AF3D94A-B1B8-4B17-8C0F-B9EE52DA24D7}" dt="2019-10-02T05:32:04.224" v="552" actId="14100"/>
         <pc:sldMkLst>
           <pc:docMk/>
           <pc:sldMk cId="4047809130" sldId="277"/>
         </pc:sldMkLst>
         <pc:spChg chg="mod">
-          <ac:chgData name="Nosbisch, Brock" userId="7e9a922f-63f0-45a6-8d77-37d3cf5d4573" providerId="ADAL" clId="{6AF3D94A-B1B8-4B17-8C0F-B9EE52DA24D7}" dt="2019-10-02T05:32:04.224" v="552"/>
+          <ac:chgData name="Nosbisch, Brock" userId="7e9a922f-63f0-45a6-8d77-37d3cf5d4573" providerId="ADAL" clId="{6AF3D94A-B1B8-4B17-8C0F-B9EE52DA24D7}" dt="2019-10-02T05:32:04.224" v="552" actId="14100"/>
           <ac:spMkLst>
             <pc:docMk/>
             <pc:sldMk cId="4047809130" sldId="277"/>
@@ -791,205 +826,14 @@
           </ac:spMkLst>
         </pc:spChg>
       </pc:sldChg>
-      <pc:sldChg chg="addSp delSp modSp add del mod setBg">
-        <pc:chgData name="Nosbisch, Brock" userId="7e9a922f-63f0-45a6-8d77-37d3cf5d4573" providerId="ADAL" clId="{6AF3D94A-B1B8-4B17-8C0F-B9EE52DA24D7}" dt="2019-10-02T05:38:13.492" v="700" actId="2696"/>
-        <pc:sldMkLst>
-          <pc:docMk/>
-          <pc:sldMk cId="3757327928" sldId="279"/>
-        </pc:sldMkLst>
-        <pc:spChg chg="mod">
-          <ac:chgData name="Nosbisch, Brock" userId="7e9a922f-63f0-45a6-8d77-37d3cf5d4573" providerId="ADAL" clId="{6AF3D94A-B1B8-4B17-8C0F-B9EE52DA24D7}" dt="2019-10-02T05:37:40.108" v="697" actId="26606"/>
-          <ac:spMkLst>
-            <pc:docMk/>
-            <pc:sldMk cId="3757327928" sldId="279"/>
-            <ac:spMk id="2" creationId="{6CEC75AF-E8A3-4B02-8DDF-539884F4F744}"/>
-          </ac:spMkLst>
-        </pc:spChg>
-        <pc:spChg chg="add del">
-          <ac:chgData name="Nosbisch, Brock" userId="7e9a922f-63f0-45a6-8d77-37d3cf5d4573" providerId="ADAL" clId="{6AF3D94A-B1B8-4B17-8C0F-B9EE52DA24D7}" dt="2019-10-02T05:37:40.070" v="696" actId="26606"/>
-          <ac:spMkLst>
-            <pc:docMk/>
-            <pc:sldMk cId="3757327928" sldId="279"/>
-            <ac:spMk id="10" creationId="{816F013F-3EFC-4CC3-A56F-94AD2E49409B}"/>
-          </ac:spMkLst>
-        </pc:spChg>
-        <pc:spChg chg="add del">
-          <ac:chgData name="Nosbisch, Brock" userId="7e9a922f-63f0-45a6-8d77-37d3cf5d4573" providerId="ADAL" clId="{6AF3D94A-B1B8-4B17-8C0F-B9EE52DA24D7}" dt="2019-10-02T05:37:40.070" v="696" actId="26606"/>
-          <ac:spMkLst>
-            <pc:docMk/>
-            <pc:sldMk cId="3757327928" sldId="279"/>
-            <ac:spMk id="12" creationId="{383B6E16-CE14-4B32-9D61-06547A15F49F}"/>
-          </ac:spMkLst>
-        </pc:spChg>
-        <pc:spChg chg="add del">
-          <ac:chgData name="Nosbisch, Brock" userId="7e9a922f-63f0-45a6-8d77-37d3cf5d4573" providerId="ADAL" clId="{6AF3D94A-B1B8-4B17-8C0F-B9EE52DA24D7}" dt="2019-10-02T05:37:40.070" v="696" actId="26606"/>
-          <ac:spMkLst>
-            <pc:docMk/>
-            <pc:sldMk cId="3757327928" sldId="279"/>
-            <ac:spMk id="14" creationId="{4F47C091-97DC-4D20-9310-65218D4A9917}"/>
-          </ac:spMkLst>
-        </pc:spChg>
-        <pc:spChg chg="add del">
-          <ac:chgData name="Nosbisch, Brock" userId="7e9a922f-63f0-45a6-8d77-37d3cf5d4573" providerId="ADAL" clId="{6AF3D94A-B1B8-4B17-8C0F-B9EE52DA24D7}" dt="2019-10-02T05:37:40.070" v="696" actId="26606"/>
-          <ac:spMkLst>
-            <pc:docMk/>
-            <pc:sldMk cId="3757327928" sldId="279"/>
-            <ac:spMk id="16" creationId="{C476236A-4C83-41D4-A3CF-D64A81F5E4C3}"/>
-          </ac:spMkLst>
-        </pc:spChg>
-        <pc:spChg chg="add del">
-          <ac:chgData name="Nosbisch, Brock" userId="7e9a922f-63f0-45a6-8d77-37d3cf5d4573" providerId="ADAL" clId="{6AF3D94A-B1B8-4B17-8C0F-B9EE52DA24D7}" dt="2019-10-02T05:37:40.070" v="696" actId="26606"/>
-          <ac:spMkLst>
-            <pc:docMk/>
-            <pc:sldMk cId="3757327928" sldId="279"/>
-            <ac:spMk id="18" creationId="{4DC9F8D5-BF3E-4B69-8F17-AE72302BE148}"/>
-          </ac:spMkLst>
-        </pc:spChg>
-        <pc:spChg chg="add del">
-          <ac:chgData name="Nosbisch, Brock" userId="7e9a922f-63f0-45a6-8d77-37d3cf5d4573" providerId="ADAL" clId="{6AF3D94A-B1B8-4B17-8C0F-B9EE52DA24D7}" dt="2019-10-02T05:37:40.070" v="696" actId="26606"/>
-          <ac:spMkLst>
-            <pc:docMk/>
-            <pc:sldMk cId="3757327928" sldId="279"/>
-            <ac:spMk id="20" creationId="{43C98417-D50B-4AA2-9624-E78A6120EC3F}"/>
-          </ac:spMkLst>
-        </pc:spChg>
-        <pc:spChg chg="add del">
-          <ac:chgData name="Nosbisch, Brock" userId="7e9a922f-63f0-45a6-8d77-37d3cf5d4573" providerId="ADAL" clId="{6AF3D94A-B1B8-4B17-8C0F-B9EE52DA24D7}" dt="2019-10-02T05:37:40.070" v="696" actId="26606"/>
-          <ac:spMkLst>
-            <pc:docMk/>
-            <pc:sldMk cId="3757327928" sldId="279"/>
-            <ac:spMk id="22" creationId="{A3E945F2-E9C6-457A-A5A6-46D9ABF095FB}"/>
-          </ac:spMkLst>
-        </pc:spChg>
-        <pc:spChg chg="add del">
-          <ac:chgData name="Nosbisch, Brock" userId="7e9a922f-63f0-45a6-8d77-37d3cf5d4573" providerId="ADAL" clId="{6AF3D94A-B1B8-4B17-8C0F-B9EE52DA24D7}" dt="2019-10-02T05:37:40.070" v="696" actId="26606"/>
-          <ac:spMkLst>
-            <pc:docMk/>
-            <pc:sldMk cId="3757327928" sldId="279"/>
-            <ac:spMk id="24" creationId="{AD1FF191-71A7-48F6-8069-4B5DB0F5FED5}"/>
-          </ac:spMkLst>
-        </pc:spChg>
-        <pc:spChg chg="add del">
-          <ac:chgData name="Nosbisch, Brock" userId="7e9a922f-63f0-45a6-8d77-37d3cf5d4573" providerId="ADAL" clId="{6AF3D94A-B1B8-4B17-8C0F-B9EE52DA24D7}" dt="2019-10-02T05:37:40.070" v="696" actId="26606"/>
-          <ac:spMkLst>
-            <pc:docMk/>
-            <pc:sldMk cId="3757327928" sldId="279"/>
-            <ac:spMk id="26" creationId="{E051B9BE-1550-4F91-A22E-F5818696CDF0}"/>
-          </ac:spMkLst>
-        </pc:spChg>
-        <pc:spChg chg="add">
-          <ac:chgData name="Nosbisch, Brock" userId="7e9a922f-63f0-45a6-8d77-37d3cf5d4573" providerId="ADAL" clId="{6AF3D94A-B1B8-4B17-8C0F-B9EE52DA24D7}" dt="2019-10-02T05:37:40.108" v="697" actId="26606"/>
-          <ac:spMkLst>
-            <pc:docMk/>
-            <pc:sldMk cId="3757327928" sldId="279"/>
-            <ac:spMk id="28" creationId="{816F013F-3EFC-4CC3-A56F-94AD2E49409B}"/>
-          </ac:spMkLst>
-        </pc:spChg>
-        <pc:spChg chg="add">
-          <ac:chgData name="Nosbisch, Brock" userId="7e9a922f-63f0-45a6-8d77-37d3cf5d4573" providerId="ADAL" clId="{6AF3D94A-B1B8-4B17-8C0F-B9EE52DA24D7}" dt="2019-10-02T05:37:40.108" v="697" actId="26606"/>
-          <ac:spMkLst>
-            <pc:docMk/>
-            <pc:sldMk cId="3757327928" sldId="279"/>
-            <ac:spMk id="29" creationId="{383B6E16-CE14-4B32-9D61-06547A15F49F}"/>
-          </ac:spMkLst>
-        </pc:spChg>
-        <pc:spChg chg="add">
-          <ac:chgData name="Nosbisch, Brock" userId="7e9a922f-63f0-45a6-8d77-37d3cf5d4573" providerId="ADAL" clId="{6AF3D94A-B1B8-4B17-8C0F-B9EE52DA24D7}" dt="2019-10-02T05:37:40.108" v="697" actId="26606"/>
-          <ac:spMkLst>
-            <pc:docMk/>
-            <pc:sldMk cId="3757327928" sldId="279"/>
-            <ac:spMk id="30" creationId="{4F47C091-97DC-4D20-9310-65218D4A9917}"/>
-          </ac:spMkLst>
-        </pc:spChg>
-        <pc:spChg chg="add">
-          <ac:chgData name="Nosbisch, Brock" userId="7e9a922f-63f0-45a6-8d77-37d3cf5d4573" providerId="ADAL" clId="{6AF3D94A-B1B8-4B17-8C0F-B9EE52DA24D7}" dt="2019-10-02T05:37:40.108" v="697" actId="26606"/>
-          <ac:spMkLst>
-            <pc:docMk/>
-            <pc:sldMk cId="3757327928" sldId="279"/>
-            <ac:spMk id="31" creationId="{C476236A-4C83-41D4-A3CF-D64A81F5E4C3}"/>
-          </ac:spMkLst>
-        </pc:spChg>
-        <pc:spChg chg="add">
-          <ac:chgData name="Nosbisch, Brock" userId="7e9a922f-63f0-45a6-8d77-37d3cf5d4573" providerId="ADAL" clId="{6AF3D94A-B1B8-4B17-8C0F-B9EE52DA24D7}" dt="2019-10-02T05:37:40.108" v="697" actId="26606"/>
-          <ac:spMkLst>
-            <pc:docMk/>
-            <pc:sldMk cId="3757327928" sldId="279"/>
-            <ac:spMk id="32" creationId="{4CFB7F65-9106-4CAB-B5F1-B6B1476E70A0}"/>
-          </ac:spMkLst>
-        </pc:spChg>
-        <pc:spChg chg="add">
-          <ac:chgData name="Nosbisch, Brock" userId="7e9a922f-63f0-45a6-8d77-37d3cf5d4573" providerId="ADAL" clId="{6AF3D94A-B1B8-4B17-8C0F-B9EE52DA24D7}" dt="2019-10-02T05:37:40.108" v="697" actId="26606"/>
-          <ac:spMkLst>
-            <pc:docMk/>
-            <pc:sldMk cId="3757327928" sldId="279"/>
-            <ac:spMk id="33" creationId="{E0996FEB-A7FD-41B5-AC7B-E2ED8B7623A2}"/>
-          </ac:spMkLst>
-        </pc:spChg>
-        <pc:spChg chg="add">
-          <ac:chgData name="Nosbisch, Brock" userId="7e9a922f-63f0-45a6-8d77-37d3cf5d4573" providerId="ADAL" clId="{6AF3D94A-B1B8-4B17-8C0F-B9EE52DA24D7}" dt="2019-10-02T05:37:40.108" v="697" actId="26606"/>
-          <ac:spMkLst>
-            <pc:docMk/>
-            <pc:sldMk cId="3757327928" sldId="279"/>
-            <ac:spMk id="34" creationId="{2F3AC5DB-7693-457F-ACCC-7E0B50B989B1}"/>
-          </ac:spMkLst>
-        </pc:spChg>
-        <pc:spChg chg="add">
-          <ac:chgData name="Nosbisch, Brock" userId="7e9a922f-63f0-45a6-8d77-37d3cf5d4573" providerId="ADAL" clId="{6AF3D94A-B1B8-4B17-8C0F-B9EE52DA24D7}" dt="2019-10-02T05:37:40.108" v="697" actId="26606"/>
-          <ac:spMkLst>
-            <pc:docMk/>
-            <pc:sldMk cId="3757327928" sldId="279"/>
-            <ac:spMk id="35" creationId="{7F9DE51B-4C99-46DA-BAA8-AFBACAA90C43}"/>
-          </ac:spMkLst>
-        </pc:spChg>
-        <pc:spChg chg="add">
-          <ac:chgData name="Nosbisch, Brock" userId="7e9a922f-63f0-45a6-8d77-37d3cf5d4573" providerId="ADAL" clId="{6AF3D94A-B1B8-4B17-8C0F-B9EE52DA24D7}" dt="2019-10-02T05:37:40.108" v="697" actId="26606"/>
-          <ac:spMkLst>
-            <pc:docMk/>
-            <pc:sldMk cId="3757327928" sldId="279"/>
-            <ac:spMk id="36" creationId="{1C96A87B-A6AF-49F9-A35C-DBCD32934F73}"/>
-          </ac:spMkLst>
-        </pc:spChg>
-        <pc:picChg chg="add mod ord">
-          <ac:chgData name="Nosbisch, Brock" userId="7e9a922f-63f0-45a6-8d77-37d3cf5d4573" providerId="ADAL" clId="{6AF3D94A-B1B8-4B17-8C0F-B9EE52DA24D7}" dt="2019-10-02T05:37:40.108" v="697" actId="26606"/>
-          <ac:picMkLst>
-            <pc:docMk/>
-            <pc:sldMk cId="3757327928" sldId="279"/>
-            <ac:picMk id="3" creationId="{8B1A96FA-D525-40BB-B0B7-C3748EE82085}"/>
-          </ac:picMkLst>
-        </pc:picChg>
-        <pc:picChg chg="add mod">
-          <ac:chgData name="Nosbisch, Brock" userId="7e9a922f-63f0-45a6-8d77-37d3cf5d4573" providerId="ADAL" clId="{6AF3D94A-B1B8-4B17-8C0F-B9EE52DA24D7}" dt="2019-10-02T05:37:40.108" v="697" actId="26606"/>
-          <ac:picMkLst>
-            <pc:docMk/>
-            <pc:sldMk cId="3757327928" sldId="279"/>
-            <ac:picMk id="4" creationId="{B21E90C0-6B2E-417C-9F21-BB57A9961AC0}"/>
-          </ac:picMkLst>
-        </pc:picChg>
-        <pc:picChg chg="add mod ord">
-          <ac:chgData name="Nosbisch, Brock" userId="7e9a922f-63f0-45a6-8d77-37d3cf5d4573" providerId="ADAL" clId="{6AF3D94A-B1B8-4B17-8C0F-B9EE52DA24D7}" dt="2019-10-02T05:37:40.108" v="697" actId="26606"/>
-          <ac:picMkLst>
-            <pc:docMk/>
-            <pc:sldMk cId="3757327928" sldId="279"/>
-            <ac:picMk id="5" creationId="{2F0E4A1B-7543-4BF6-B088-7C58F8DED6F0}"/>
-          </ac:picMkLst>
-        </pc:picChg>
-        <pc:picChg chg="del">
-          <ac:chgData name="Nosbisch, Brock" userId="7e9a922f-63f0-45a6-8d77-37d3cf5d4573" providerId="ADAL" clId="{6AF3D94A-B1B8-4B17-8C0F-B9EE52DA24D7}" dt="2019-10-02T05:36:32.001" v="685" actId="478"/>
-          <ac:picMkLst>
-            <pc:docMk/>
-            <pc:sldMk cId="3757327928" sldId="279"/>
-            <ac:picMk id="2050" creationId="{04944705-BBC4-46EF-B9BC-2C181D3774F4}"/>
-          </ac:picMkLst>
-        </pc:picChg>
-      </pc:sldChg>
       <pc:sldChg chg="delSp add setBg delDesignElem">
-        <pc:chgData name="Nosbisch, Brock" userId="7e9a922f-63f0-45a6-8d77-37d3cf5d4573" providerId="ADAL" clId="{6AF3D94A-B1B8-4B17-8C0F-B9EE52DA24D7}" dt="2019-10-02T05:37:49.576" v="699"/>
+        <pc:chgData name="Nosbisch, Brock" userId="7e9a922f-63f0-45a6-8d77-37d3cf5d4573" providerId="ADAL" clId="{6AF3D94A-B1B8-4B17-8C0F-B9EE52DA24D7}" dt="2019-10-02T05:37:49.576" v="699" actId="14100"/>
         <pc:sldMkLst>
           <pc:docMk/>
           <pc:sldMk cId="1858591726" sldId="280"/>
         </pc:sldMkLst>
         <pc:spChg chg="del">
-          <ac:chgData name="Nosbisch, Brock" userId="7e9a922f-63f0-45a6-8d77-37d3cf5d4573" providerId="ADAL" clId="{6AF3D94A-B1B8-4B17-8C0F-B9EE52DA24D7}" dt="2019-10-02T05:37:49.576" v="699"/>
+          <ac:chgData name="Nosbisch, Brock" userId="7e9a922f-63f0-45a6-8d77-37d3cf5d4573" providerId="ADAL" clId="{6AF3D94A-B1B8-4B17-8C0F-B9EE52DA24D7}" dt="2019-10-02T05:37:49.576" v="699" actId="14100"/>
           <ac:spMkLst>
             <pc:docMk/>
             <pc:sldMk cId="1858591726" sldId="280"/>
@@ -997,7 +841,7 @@
           </ac:spMkLst>
         </pc:spChg>
         <pc:spChg chg="del">
-          <ac:chgData name="Nosbisch, Brock" userId="7e9a922f-63f0-45a6-8d77-37d3cf5d4573" providerId="ADAL" clId="{6AF3D94A-B1B8-4B17-8C0F-B9EE52DA24D7}" dt="2019-10-02T05:37:49.576" v="699"/>
+          <ac:chgData name="Nosbisch, Brock" userId="7e9a922f-63f0-45a6-8d77-37d3cf5d4573" providerId="ADAL" clId="{6AF3D94A-B1B8-4B17-8C0F-B9EE52DA24D7}" dt="2019-10-02T05:37:49.576" v="699" actId="14100"/>
           <ac:spMkLst>
             <pc:docMk/>
             <pc:sldMk cId="1858591726" sldId="280"/>
@@ -1005,7 +849,7 @@
           </ac:spMkLst>
         </pc:spChg>
         <pc:spChg chg="del">
-          <ac:chgData name="Nosbisch, Brock" userId="7e9a922f-63f0-45a6-8d77-37d3cf5d4573" providerId="ADAL" clId="{6AF3D94A-B1B8-4B17-8C0F-B9EE52DA24D7}" dt="2019-10-02T05:37:49.576" v="699"/>
+          <ac:chgData name="Nosbisch, Brock" userId="7e9a922f-63f0-45a6-8d77-37d3cf5d4573" providerId="ADAL" clId="{6AF3D94A-B1B8-4B17-8C0F-B9EE52DA24D7}" dt="2019-10-02T05:37:49.576" v="699" actId="14100"/>
           <ac:spMkLst>
             <pc:docMk/>
             <pc:sldMk cId="1858591726" sldId="280"/>
@@ -1013,7 +857,7 @@
           </ac:spMkLst>
         </pc:spChg>
         <pc:spChg chg="del">
-          <ac:chgData name="Nosbisch, Brock" userId="7e9a922f-63f0-45a6-8d77-37d3cf5d4573" providerId="ADAL" clId="{6AF3D94A-B1B8-4B17-8C0F-B9EE52DA24D7}" dt="2019-10-02T05:37:49.576" v="699"/>
+          <ac:chgData name="Nosbisch, Brock" userId="7e9a922f-63f0-45a6-8d77-37d3cf5d4573" providerId="ADAL" clId="{6AF3D94A-B1B8-4B17-8C0F-B9EE52DA24D7}" dt="2019-10-02T05:37:49.576" v="699" actId="14100"/>
           <ac:spMkLst>
             <pc:docMk/>
             <pc:sldMk cId="1858591726" sldId="280"/>
@@ -1021,7 +865,7 @@
           </ac:spMkLst>
         </pc:spChg>
         <pc:spChg chg="del">
-          <ac:chgData name="Nosbisch, Brock" userId="7e9a922f-63f0-45a6-8d77-37d3cf5d4573" providerId="ADAL" clId="{6AF3D94A-B1B8-4B17-8C0F-B9EE52DA24D7}" dt="2019-10-02T05:37:49.576" v="699"/>
+          <ac:chgData name="Nosbisch, Brock" userId="7e9a922f-63f0-45a6-8d77-37d3cf5d4573" providerId="ADAL" clId="{6AF3D94A-B1B8-4B17-8C0F-B9EE52DA24D7}" dt="2019-10-02T05:37:49.576" v="699" actId="14100"/>
           <ac:spMkLst>
             <pc:docMk/>
             <pc:sldMk cId="1858591726" sldId="280"/>
@@ -1029,7 +873,7 @@
           </ac:spMkLst>
         </pc:spChg>
         <pc:spChg chg="del">
-          <ac:chgData name="Nosbisch, Brock" userId="7e9a922f-63f0-45a6-8d77-37d3cf5d4573" providerId="ADAL" clId="{6AF3D94A-B1B8-4B17-8C0F-B9EE52DA24D7}" dt="2019-10-02T05:37:49.576" v="699"/>
+          <ac:chgData name="Nosbisch, Brock" userId="7e9a922f-63f0-45a6-8d77-37d3cf5d4573" providerId="ADAL" clId="{6AF3D94A-B1B8-4B17-8C0F-B9EE52DA24D7}" dt="2019-10-02T05:37:49.576" v="699" actId="14100"/>
           <ac:spMkLst>
             <pc:docMk/>
             <pc:sldMk cId="1858591726" sldId="280"/>
@@ -1037,7 +881,7 @@
           </ac:spMkLst>
         </pc:spChg>
         <pc:spChg chg="del">
-          <ac:chgData name="Nosbisch, Brock" userId="7e9a922f-63f0-45a6-8d77-37d3cf5d4573" providerId="ADAL" clId="{6AF3D94A-B1B8-4B17-8C0F-B9EE52DA24D7}" dt="2019-10-02T05:37:49.576" v="699"/>
+          <ac:chgData name="Nosbisch, Brock" userId="7e9a922f-63f0-45a6-8d77-37d3cf5d4573" providerId="ADAL" clId="{6AF3D94A-B1B8-4B17-8C0F-B9EE52DA24D7}" dt="2019-10-02T05:37:49.576" v="699" actId="14100"/>
           <ac:spMkLst>
             <pc:docMk/>
             <pc:sldMk cId="1858591726" sldId="280"/>
@@ -1045,7 +889,7 @@
           </ac:spMkLst>
         </pc:spChg>
         <pc:spChg chg="del">
-          <ac:chgData name="Nosbisch, Brock" userId="7e9a922f-63f0-45a6-8d77-37d3cf5d4573" providerId="ADAL" clId="{6AF3D94A-B1B8-4B17-8C0F-B9EE52DA24D7}" dt="2019-10-02T05:37:49.576" v="699"/>
+          <ac:chgData name="Nosbisch, Brock" userId="7e9a922f-63f0-45a6-8d77-37d3cf5d4573" providerId="ADAL" clId="{6AF3D94A-B1B8-4B17-8C0F-B9EE52DA24D7}" dt="2019-10-02T05:37:49.576" v="699" actId="14100"/>
           <ac:spMkLst>
             <pc:docMk/>
             <pc:sldMk cId="1858591726" sldId="280"/>
@@ -1053,7 +897,7 @@
           </ac:spMkLst>
         </pc:spChg>
         <pc:spChg chg="del">
-          <ac:chgData name="Nosbisch, Brock" userId="7e9a922f-63f0-45a6-8d77-37d3cf5d4573" providerId="ADAL" clId="{6AF3D94A-B1B8-4B17-8C0F-B9EE52DA24D7}" dt="2019-10-02T05:37:49.576" v="699"/>
+          <ac:chgData name="Nosbisch, Brock" userId="7e9a922f-63f0-45a6-8d77-37d3cf5d4573" providerId="ADAL" clId="{6AF3D94A-B1B8-4B17-8C0F-B9EE52DA24D7}" dt="2019-10-02T05:37:49.576" v="699" actId="14100"/>
           <ac:spMkLst>
             <pc:docMk/>
             <pc:sldMk cId="1858591726" sldId="280"/>
@@ -1147,99 +991,6 @@
             <ac:picMk id="8" creationId="{40E66F7F-0DE4-4055-9617-F4FEEAD89AAB}"/>
           </ac:picMkLst>
         </pc:picChg>
-      </pc:sldChg>
-      <pc:sldChg chg="addSp delSp modSp add del">
-        <pc:chgData name="Nosbisch, Brock" userId="7e9a922f-63f0-45a6-8d77-37d3cf5d4573" providerId="ADAL" clId="{6AF3D94A-B1B8-4B17-8C0F-B9EE52DA24D7}" dt="2019-10-02T05:41:35.483" v="758" actId="2696"/>
-        <pc:sldMkLst>
-          <pc:docMk/>
-          <pc:sldMk cId="1692077626" sldId="281"/>
-        </pc:sldMkLst>
-        <pc:spChg chg="mod">
-          <ac:chgData name="Nosbisch, Brock" userId="7e9a922f-63f0-45a6-8d77-37d3cf5d4573" providerId="ADAL" clId="{6AF3D94A-B1B8-4B17-8C0F-B9EE52DA24D7}" dt="2019-10-02T05:38:38.329" v="736" actId="27636"/>
-          <ac:spMkLst>
-            <pc:docMk/>
-            <pc:sldMk cId="1692077626" sldId="281"/>
-            <ac:spMk id="2" creationId="{6CEC75AF-E8A3-4B02-8DDF-539884F4F744}"/>
-          </ac:spMkLst>
-        </pc:spChg>
-        <pc:picChg chg="del">
-          <ac:chgData name="Nosbisch, Brock" userId="7e9a922f-63f0-45a6-8d77-37d3cf5d4573" providerId="ADAL" clId="{6AF3D94A-B1B8-4B17-8C0F-B9EE52DA24D7}" dt="2019-10-02T05:38:45.312" v="737" actId="478"/>
-          <ac:picMkLst>
-            <pc:docMk/>
-            <pc:sldMk cId="1692077626" sldId="281"/>
-            <ac:picMk id="3" creationId="{8B1A96FA-D525-40BB-B0B7-C3748EE82085}"/>
-          </ac:picMkLst>
-        </pc:picChg>
-        <pc:picChg chg="del">
-          <ac:chgData name="Nosbisch, Brock" userId="7e9a922f-63f0-45a6-8d77-37d3cf5d4573" providerId="ADAL" clId="{6AF3D94A-B1B8-4B17-8C0F-B9EE52DA24D7}" dt="2019-10-02T05:38:45.312" v="737" actId="478"/>
-          <ac:picMkLst>
-            <pc:docMk/>
-            <pc:sldMk cId="1692077626" sldId="281"/>
-            <ac:picMk id="4" creationId="{B21E90C0-6B2E-417C-9F21-BB57A9961AC0}"/>
-          </ac:picMkLst>
-        </pc:picChg>
-        <pc:picChg chg="del">
-          <ac:chgData name="Nosbisch, Brock" userId="7e9a922f-63f0-45a6-8d77-37d3cf5d4573" providerId="ADAL" clId="{6AF3D94A-B1B8-4B17-8C0F-B9EE52DA24D7}" dt="2019-10-02T05:38:45.312" v="737" actId="478"/>
-          <ac:picMkLst>
-            <pc:docMk/>
-            <pc:sldMk cId="1692077626" sldId="281"/>
-            <ac:picMk id="5" creationId="{2F0E4A1B-7543-4BF6-B088-7C58F8DED6F0}"/>
-          </ac:picMkLst>
-        </pc:picChg>
-        <pc:picChg chg="add mod">
-          <ac:chgData name="Nosbisch, Brock" userId="7e9a922f-63f0-45a6-8d77-37d3cf5d4573" providerId="ADAL" clId="{6AF3D94A-B1B8-4B17-8C0F-B9EE52DA24D7}" dt="2019-10-02T05:40:11.445" v="745" actId="1076"/>
-          <ac:picMkLst>
-            <pc:docMk/>
-            <pc:sldMk cId="1692077626" sldId="281"/>
-            <ac:picMk id="3074" creationId="{BC42EF27-5338-4A18-8B08-07968B786C37}"/>
-          </ac:picMkLst>
-        </pc:picChg>
-      </pc:sldChg>
-      <pc:sldChg chg="delSp add del setBg delDesignElem">
-        <pc:chgData name="Nosbisch, Brock" userId="7e9a922f-63f0-45a6-8d77-37d3cf5d4573" providerId="ADAL" clId="{6AF3D94A-B1B8-4B17-8C0F-B9EE52DA24D7}" dt="2019-10-02T05:39:45.296" v="744" actId="2696"/>
-        <pc:sldMkLst>
-          <pc:docMk/>
-          <pc:sldMk cId="4156095383" sldId="282"/>
-        </pc:sldMkLst>
-        <pc:spChg chg="del">
-          <ac:chgData name="Nosbisch, Brock" userId="7e9a922f-63f0-45a6-8d77-37d3cf5d4573" providerId="ADAL" clId="{6AF3D94A-B1B8-4B17-8C0F-B9EE52DA24D7}" dt="2019-10-02T05:39:10.002" v="740"/>
-          <ac:spMkLst>
-            <pc:docMk/>
-            <pc:sldMk cId="4156095383" sldId="282"/>
-            <ac:spMk id="19" creationId="{F1ADD25B-0A33-4EF2-90F4-43139269318B}"/>
-          </ac:spMkLst>
-        </pc:spChg>
-        <pc:spChg chg="del">
-          <ac:chgData name="Nosbisch, Brock" userId="7e9a922f-63f0-45a6-8d77-37d3cf5d4573" providerId="ADAL" clId="{6AF3D94A-B1B8-4B17-8C0F-B9EE52DA24D7}" dt="2019-10-02T05:39:10.002" v="740"/>
-          <ac:spMkLst>
-            <pc:docMk/>
-            <pc:sldMk cId="4156095383" sldId="282"/>
-            <ac:spMk id="21" creationId="{74DB6F31-1B9E-4237-84A3-0825BFDF4616}"/>
-          </ac:spMkLst>
-        </pc:spChg>
-      </pc:sldChg>
-      <pc:sldChg chg="addSp delSp add del setBg delDesignElem">
-        <pc:chgData name="Nosbisch, Brock" userId="7e9a922f-63f0-45a6-8d77-37d3cf5d4573" providerId="ADAL" clId="{6AF3D94A-B1B8-4B17-8C0F-B9EE52DA24D7}" dt="2019-10-02T05:39:39.967" v="743"/>
-        <pc:sldMkLst>
-          <pc:docMk/>
-          <pc:sldMk cId="3073214551" sldId="283"/>
-        </pc:sldMkLst>
-        <pc:spChg chg="add del">
-          <ac:chgData name="Nosbisch, Brock" userId="7e9a922f-63f0-45a6-8d77-37d3cf5d4573" providerId="ADAL" clId="{6AF3D94A-B1B8-4B17-8C0F-B9EE52DA24D7}" dt="2019-10-02T05:39:39.967" v="743"/>
-          <ac:spMkLst>
-            <pc:docMk/>
-            <pc:sldMk cId="3073214551" sldId="283"/>
-            <ac:spMk id="9" creationId="{F1ADD25B-0A33-4EF2-90F4-43139269318B}"/>
-          </ac:spMkLst>
-        </pc:spChg>
-        <pc:spChg chg="add del">
-          <ac:chgData name="Nosbisch, Brock" userId="7e9a922f-63f0-45a6-8d77-37d3cf5d4573" providerId="ADAL" clId="{6AF3D94A-B1B8-4B17-8C0F-B9EE52DA24D7}" dt="2019-10-02T05:39:39.967" v="743"/>
-          <ac:spMkLst>
-            <pc:docMk/>
-            <pc:sldMk cId="3073214551" sldId="283"/>
-            <ac:spMk id="11" creationId="{74DB6F31-1B9E-4237-84A3-0825BFDF4616}"/>
-          </ac:spMkLst>
-        </pc:spChg>
       </pc:sldChg>
     </pc:docChg>
   </pc:docChgLst>
@@ -1492,7 +1243,7 @@
             <a:fld id="{B61BEF0D-F0BB-DE4B-95CE-6DB70DBA9567}" type="datetimeFigureOut">
               <a:rPr lang="en-US" dirty="0"/>
               <a:pPr/>
-              <a:t>10/2/2019</a:t>
+              <a:t>10/7/2019</a:t>
             </a:fld>
             <a:endParaRPr lang="en-US" dirty="0"/>
           </a:p>
@@ -1751,7 +1502,7 @@
             <a:fld id="{B61BEF0D-F0BB-DE4B-95CE-6DB70DBA9567}" type="datetimeFigureOut">
               <a:rPr lang="en-US" dirty="0"/>
               <a:pPr/>
-              <a:t>10/2/2019</a:t>
+              <a:t>10/7/2019</a:t>
             </a:fld>
             <a:endParaRPr lang="en-US" dirty="0"/>
           </a:p>
@@ -1983,7 +1734,7 @@
             <a:fld id="{B61BEF0D-F0BB-DE4B-95CE-6DB70DBA9567}" type="datetimeFigureOut">
               <a:rPr lang="en-US" dirty="0"/>
               <a:pPr/>
-              <a:t>10/2/2019</a:t>
+              <a:t>10/7/2019</a:t>
             </a:fld>
             <a:endParaRPr lang="en-US" dirty="0"/>
           </a:p>
@@ -2220,7 +1971,7 @@
             <a:fld id="{B61BEF0D-F0BB-DE4B-95CE-6DB70DBA9567}" type="datetimeFigureOut">
               <a:rPr lang="en-US" dirty="0"/>
               <a:pPr/>
-              <a:t>10/2/2019</a:t>
+              <a:t>10/7/2019</a:t>
             </a:fld>
             <a:endParaRPr lang="en-US" dirty="0"/>
           </a:p>
@@ -2524,7 +2275,7 @@
             <a:fld id="{B61BEF0D-F0BB-DE4B-95CE-6DB70DBA9567}" type="datetimeFigureOut">
               <a:rPr lang="en-US" dirty="0"/>
               <a:pPr/>
-              <a:t>10/2/2019</a:t>
+              <a:t>10/7/2019</a:t>
             </a:fld>
             <a:endParaRPr lang="en-US" dirty="0"/>
           </a:p>
@@ -2823,7 +2574,7 @@
             <a:fld id="{B61BEF0D-F0BB-DE4B-95CE-6DB70DBA9567}" type="datetimeFigureOut">
               <a:rPr lang="en-US" dirty="0"/>
               <a:pPr/>
-              <a:t>10/2/2019</a:t>
+              <a:t>10/7/2019</a:t>
             </a:fld>
             <a:endParaRPr lang="en-US" dirty="0"/>
           </a:p>
@@ -3242,7 +2993,7 @@
             <a:fld id="{B61BEF0D-F0BB-DE4B-95CE-6DB70DBA9567}" type="datetimeFigureOut">
               <a:rPr lang="en-US" dirty="0"/>
               <a:pPr/>
-              <a:t>10/2/2019</a:t>
+              <a:t>10/7/2019</a:t>
             </a:fld>
             <a:endParaRPr lang="en-US" dirty="0"/>
           </a:p>
@@ -3401,7 +3152,7 @@
             <a:fld id="{B61BEF0D-F0BB-DE4B-95CE-6DB70DBA9567}" type="datetimeFigureOut">
               <a:rPr lang="en-US" dirty="0"/>
               <a:pPr/>
-              <a:t>10/2/2019</a:t>
+              <a:t>10/7/2019</a:t>
             </a:fld>
             <a:endParaRPr lang="en-US" dirty="0"/>
           </a:p>
@@ -3493,7 +3244,7 @@
             <a:fld id="{B61BEF0D-F0BB-DE4B-95CE-6DB70DBA9567}" type="datetimeFigureOut">
               <a:rPr lang="en-US" dirty="0"/>
               <a:pPr/>
-              <a:t>10/2/2019</a:t>
+              <a:t>10/7/2019</a:t>
             </a:fld>
             <a:endParaRPr lang="en-US" dirty="0"/>
           </a:p>
@@ -3868,7 +3619,7 @@
             <a:fld id="{B61BEF0D-F0BB-DE4B-95CE-6DB70DBA9567}" type="datetimeFigureOut">
               <a:rPr lang="en-US" dirty="0"/>
               <a:pPr/>
-              <a:t>10/2/2019</a:t>
+              <a:t>10/7/2019</a:t>
             </a:fld>
             <a:endParaRPr lang="en-US" dirty="0"/>
           </a:p>
@@ -4154,7 +3905,7 @@
             <a:fld id="{B61BEF0D-F0BB-DE4B-95CE-6DB70DBA9567}" type="datetimeFigureOut">
               <a:rPr lang="en-US" dirty="0"/>
               <a:pPr/>
-              <a:t>10/2/2019</a:t>
+              <a:t>10/7/2019</a:t>
             </a:fld>
             <a:endParaRPr lang="en-US" dirty="0"/>
           </a:p>
@@ -4362,7 +4113,7 @@
             <a:fld id="{B61BEF0D-F0BB-DE4B-95CE-6DB70DBA9567}" type="datetimeFigureOut">
               <a:rPr lang="en-US" dirty="0"/>
               <a:pPr/>
-              <a:t>10/2/2019</a:t>
+              <a:t>10/7/2019</a:t>
             </a:fld>
             <a:endParaRPr lang="en-US" dirty="0"/>
           </a:p>
@@ -5419,6 +5170,221 @@
 <file path=ppt/slides/slide13.xml><?xml version="1.0" encoding="utf-8"?>
 <p:sld xmlns:a="http://schemas.openxmlformats.org/drawingml/2006/main" xmlns:r="http://schemas.openxmlformats.org/officeDocument/2006/relationships" xmlns:p="http://schemas.openxmlformats.org/presentationml/2006/main">
   <p:cSld>
+    <p:spTree>
+      <p:nvGrpSpPr>
+        <p:cNvPr id="1" name=""/>
+        <p:cNvGrpSpPr/>
+        <p:nvPr/>
+      </p:nvGrpSpPr>
+      <p:grpSpPr>
+        <a:xfrm>
+          <a:off x="0" y="0"/>
+          <a:ext cx="0" cy="0"/>
+          <a:chOff x="0" y="0"/>
+          <a:chExt cx="0" cy="0"/>
+        </a:xfrm>
+      </p:grpSpPr>
+      <p:sp>
+        <p:nvSpPr>
+          <p:cNvPr id="2" name="Title 1">
+            <a:extLst>
+              <a:ext uri="{FF2B5EF4-FFF2-40B4-BE49-F238E27FC236}">
+                <a16:creationId xmlns:a16="http://schemas.microsoft.com/office/drawing/2014/main" id="{6CEC75AF-E8A3-4B02-8DDF-539884F4F744}"/>
+              </a:ext>
+            </a:extLst>
+          </p:cNvPr>
+          <p:cNvSpPr>
+            <a:spLocks noGrp="1"/>
+          </p:cNvSpPr>
+          <p:nvPr>
+            <p:ph type="title"/>
+          </p:nvPr>
+        </p:nvSpPr>
+        <p:spPr>
+          <a:xfrm>
+            <a:off x="581191" y="776445"/>
+            <a:ext cx="10993549" cy="1140874"/>
+          </a:xfrm>
+        </p:spPr>
+        <p:txBody>
+          <a:bodyPr vert="horz" lIns="91440" tIns="45720" rIns="91440" bIns="45720" rtlCol="0" anchor="b">
+            <a:normAutofit/>
+          </a:bodyPr>
+          <a:lstStyle/>
+          <a:p>
+            <a:r>
+              <a:rPr lang="en-US" sz="3600" dirty="0">
+                <a:solidFill>
+                  <a:srgbClr val="FFFFFF"/>
+                </a:solidFill>
+              </a:rPr>
+              <a:t>Exploratory data analysis (Arrearage)</a:t>
+            </a:r>
+          </a:p>
+        </p:txBody>
+      </p:sp>
+      <p:pic>
+        <p:nvPicPr>
+          <p:cNvPr id="6" name="Picture 5">
+            <a:extLst>
+              <a:ext uri="{FF2B5EF4-FFF2-40B4-BE49-F238E27FC236}">
+                <a16:creationId xmlns:a16="http://schemas.microsoft.com/office/drawing/2014/main" id="{CBA2BDCF-9FEE-434A-94F7-3FAA9813E7B2}"/>
+              </a:ext>
+            </a:extLst>
+          </p:cNvPr>
+          <p:cNvPicPr>
+            <a:picLocks noChangeAspect="1"/>
+          </p:cNvPicPr>
+          <p:nvPr/>
+        </p:nvPicPr>
+        <p:blipFill>
+          <a:blip r:embed="rId2"/>
+          <a:stretch>
+            <a:fillRect/>
+          </a:stretch>
+        </p:blipFill>
+        <p:spPr>
+          <a:xfrm>
+            <a:off x="1234181" y="2345705"/>
+            <a:ext cx="9723637" cy="4179843"/>
+          </a:xfrm>
+          <a:prstGeom prst="rect">
+            <a:avLst/>
+          </a:prstGeom>
+        </p:spPr>
+      </p:pic>
+    </p:spTree>
+    <p:extLst>
+      <p:ext uri="{BB962C8B-B14F-4D97-AF65-F5344CB8AC3E}">
+        <p14:creationId xmlns:p14="http://schemas.microsoft.com/office/powerpoint/2010/main" val="287247585"/>
+      </p:ext>
+    </p:extLst>
+  </p:cSld>
+  <p:clrMapOvr>
+    <a:masterClrMapping/>
+  </p:clrMapOvr>
+</p:sld>
+</file>
+
+<file path=ppt/slides/slide14.xml><?xml version="1.0" encoding="utf-8"?>
+<p:sld xmlns:a="http://schemas.openxmlformats.org/drawingml/2006/main" xmlns:r="http://schemas.openxmlformats.org/officeDocument/2006/relationships" xmlns:p="http://schemas.openxmlformats.org/presentationml/2006/main">
+  <p:cSld>
+    <p:spTree>
+      <p:nvGrpSpPr>
+        <p:cNvPr id="1" name=""/>
+        <p:cNvGrpSpPr/>
+        <p:nvPr/>
+      </p:nvGrpSpPr>
+      <p:grpSpPr>
+        <a:xfrm>
+          <a:off x="0" y="0"/>
+          <a:ext cx="0" cy="0"/>
+          <a:chOff x="0" y="0"/>
+          <a:chExt cx="0" cy="0"/>
+        </a:xfrm>
+      </p:grpSpPr>
+      <p:sp>
+        <p:nvSpPr>
+          <p:cNvPr id="2" name="Title 1">
+            <a:extLst>
+              <a:ext uri="{FF2B5EF4-FFF2-40B4-BE49-F238E27FC236}">
+                <a16:creationId xmlns:a16="http://schemas.microsoft.com/office/drawing/2014/main" id="{6CEC75AF-E8A3-4B02-8DDF-539884F4F744}"/>
+              </a:ext>
+            </a:extLst>
+          </p:cNvPr>
+          <p:cNvSpPr>
+            <a:spLocks noGrp="1"/>
+          </p:cNvSpPr>
+          <p:nvPr>
+            <p:ph type="title"/>
+          </p:nvPr>
+        </p:nvSpPr>
+        <p:spPr>
+          <a:xfrm>
+            <a:off x="581191" y="776445"/>
+            <a:ext cx="10993549" cy="1140874"/>
+          </a:xfrm>
+        </p:spPr>
+        <p:txBody>
+          <a:bodyPr vert="horz" lIns="91440" tIns="45720" rIns="91440" bIns="45720" rtlCol="0" anchor="b">
+            <a:normAutofit/>
+          </a:bodyPr>
+          <a:lstStyle/>
+          <a:p>
+            <a:r>
+              <a:rPr lang="en-US" sz="3600" dirty="0">
+                <a:solidFill>
+                  <a:srgbClr val="FFFFFF"/>
+                </a:solidFill>
+              </a:rPr>
+              <a:t>Exploratory data analysis (Active days)</a:t>
+            </a:r>
+          </a:p>
+        </p:txBody>
+      </p:sp>
+      <p:pic>
+        <p:nvPicPr>
+          <p:cNvPr id="1026" name="Picture 2" descr="https://lh3.googleusercontent.com/DGyn3_fHNk8CKN74Q6xVFpoBpKkBEpFdYS6UZFhPHFNy5eY-g6dbb0KEEnYooODiz-UMQlm8pEsnokBWjwzxpnh4FASONDtslAtOkO88vwQ2XL6EBekEJyNMdsi9yp3QH26AQ7On">
+            <a:extLst>
+              <a:ext uri="{FF2B5EF4-FFF2-40B4-BE49-F238E27FC236}">
+                <a16:creationId xmlns:a16="http://schemas.microsoft.com/office/drawing/2014/main" id="{D755DF80-794B-4030-A78D-CC942E9AAB40}"/>
+              </a:ext>
+            </a:extLst>
+          </p:cNvPr>
+          <p:cNvPicPr>
+            <a:picLocks noChangeAspect="1" noChangeArrowheads="1"/>
+          </p:cNvPicPr>
+          <p:nvPr/>
+        </p:nvPicPr>
+        <p:blipFill>
+          <a:blip r:embed="rId2">
+            <a:extLst>
+              <a:ext uri="{28A0092B-C50C-407E-A947-70E740481C1C}">
+                <a14:useLocalDpi xmlns:a14="http://schemas.microsoft.com/office/drawing/2010/main" val="0"/>
+              </a:ext>
+            </a:extLst>
+          </a:blip>
+          <a:srcRect/>
+          <a:stretch>
+            <a:fillRect/>
+          </a:stretch>
+        </p:blipFill>
+        <p:spPr bwMode="auto">
+          <a:xfrm>
+            <a:off x="1075007" y="2121523"/>
+            <a:ext cx="10041985" cy="4575113"/>
+          </a:xfrm>
+          <a:prstGeom prst="rect">
+            <a:avLst/>
+          </a:prstGeom>
+          <a:noFill/>
+          <a:extLst>
+            <a:ext uri="{909E8E84-426E-40DD-AFC4-6F175D3DCCD1}">
+              <a14:hiddenFill xmlns:a14="http://schemas.microsoft.com/office/drawing/2010/main">
+                <a:solidFill>
+                  <a:srgbClr val="FFFFFF"/>
+                </a:solidFill>
+              </a14:hiddenFill>
+            </a:ext>
+          </a:extLst>
+        </p:spPr>
+      </p:pic>
+    </p:spTree>
+    <p:extLst>
+      <p:ext uri="{BB962C8B-B14F-4D97-AF65-F5344CB8AC3E}">
+        <p14:creationId xmlns:p14="http://schemas.microsoft.com/office/powerpoint/2010/main" val="1571397694"/>
+      </p:ext>
+    </p:extLst>
+  </p:cSld>
+  <p:clrMapOvr>
+    <a:masterClrMapping/>
+  </p:clrMapOvr>
+</p:sld>
+</file>
+
+<file path=ppt/slides/slide15.xml><?xml version="1.0" encoding="utf-8"?>
+<p:sld xmlns:a="http://schemas.openxmlformats.org/drawingml/2006/main" xmlns:r="http://schemas.openxmlformats.org/officeDocument/2006/relationships" xmlns:p="http://schemas.openxmlformats.org/presentationml/2006/main">
+  <p:cSld>
     <p:bg>
       <p:bgPr>
         <a:solidFill>
@@ -5655,7 +5621,7 @@
 </p:sld>
 </file>
 
-<file path=ppt/slides/slide14.xml><?xml version="1.0" encoding="utf-8"?>
+<file path=ppt/slides/slide16.xml><?xml version="1.0" encoding="utf-8"?>
 <p:sld xmlns:a="http://schemas.openxmlformats.org/drawingml/2006/main" xmlns:r="http://schemas.openxmlformats.org/officeDocument/2006/relationships" xmlns:p="http://schemas.openxmlformats.org/presentationml/2006/main">
   <p:cSld>
     <p:spTree>
@@ -7853,7 +7819,7 @@
         </p:spPr>
         <p:txBody>
           <a:bodyPr>
-            <a:normAutofit fontScale="92500" lnSpcReduction="20000"/>
+            <a:normAutofit fontScale="85000" lnSpcReduction="20000"/>
           </a:bodyPr>
           <a:lstStyle/>
           <a:p>
@@ -7882,6 +7848,18 @@
             <a:r>
               <a:rPr lang="en-US" dirty="0"/>
               <a:t>When looking at stops during the 7 day, 14 day, and 21 day windows by City, Webb City, Joplin, Cameron, and Aurora had the highest % of Active SAs that were stopped. Over 2% of all Active SAs in Aurora were stopped during the 21 day window.</a:t>
+            </a:r>
+          </a:p>
+          <a:p>
+            <a:r>
+              <a:rPr lang="en-US" dirty="0"/>
+              <a:t>The higher the arrears amount, the more likely you are to stop. For example, if you owe 100 or less then you have less than a 1% chance of stopping between 3/1/19 - 3/21/19. If you owe 700−799 then you have over a 6% chance of stopping in the same timeframe. Residential customers have almost a 10% chance of stopping in the same bucket/timeframe.</a:t>
+            </a:r>
+          </a:p>
+          <a:p>
+            <a:r>
+              <a:rPr lang="en-US" dirty="0"/>
+              <a:t>The shorter amount of time a customer has had gas service, the more likely the customer will stop gas.</a:t>
             </a:r>
           </a:p>
           <a:p>
@@ -8184,21 +8162,6 @@
 </file>
 
 <file path=customXml/item1.xml><?xml version="1.0" encoding="utf-8"?>
-<p:properties xmlns:p="http://schemas.microsoft.com/office/2006/metadata/properties" xmlns:xsi="http://www.w3.org/2001/XMLSchema-instance" xmlns:pc="http://schemas.microsoft.com/office/infopath/2007/PartnerControls">
-  <documentManagement/>
-</p:properties>
-</file>
-
-<file path=customXml/item2.xml><?xml version="1.0" encoding="utf-8"?>
-<?mso-contentType ?>
-<FormTemplates xmlns="http://schemas.microsoft.com/sharepoint/v3/contenttype/forms">
-  <Display>DocumentLibraryForm</Display>
-  <Edit>DocumentLibraryForm</Edit>
-  <New>DocumentLibraryForm</New>
-</FormTemplates>
-</file>
-
-<file path=customXml/item3.xml><?xml version="1.0" encoding="utf-8"?>
 <ct:contentTypeSchema xmlns:ct="http://schemas.microsoft.com/office/2006/metadata/contentType" xmlns:ma="http://schemas.microsoft.com/office/2006/metadata/properties/metaAttributes" ct:_="" ma:_="" ma:contentTypeName="Document" ma:contentTypeID="0x01010093ED94F1AA0BF14B9CDCAC24A8C2BD64" ma:contentTypeVersion="10" ma:contentTypeDescription="Create a new document." ma:contentTypeScope="" ma:versionID="8e67d8605ac7a45e46a014c15ad13f95">
   <xsd:schema xmlns:xsd="http://www.w3.org/2001/XMLSchema" xmlns:xs="http://www.w3.org/2001/XMLSchema" xmlns:p="http://schemas.microsoft.com/office/2006/metadata/properties" xmlns:ns3="ec66867a-10f6-473c-ae3a-98ae3888c21d" targetNamespace="http://schemas.microsoft.com/office/2006/metadata/properties" ma:root="true" ma:fieldsID="69b1f0b069b680b51a8577324aca6898" ns3:_="">
     <xsd:import namespace="ec66867a-10f6-473c-ae3a-98ae3888c21d"/>
@@ -8382,31 +8345,22 @@
 </ct:contentTypeSchema>
 </file>
 
-<file path=customXml/itemProps1.xml><?xml version="1.0" encoding="utf-8"?>
-<ds:datastoreItem xmlns:ds="http://schemas.openxmlformats.org/officeDocument/2006/customXml" ds:itemID="{3851461D-01A4-4431-AEE1-28A3E783A2BA}">
-  <ds:schemaRefs>
-    <ds:schemaRef ds:uri="http://purl.org/dc/terms/"/>
-    <ds:schemaRef ds:uri="http://schemas.openxmlformats.org/package/2006/metadata/core-properties"/>
-    <ds:schemaRef ds:uri="http://schemas.microsoft.com/office/2006/documentManagement/types"/>
-    <ds:schemaRef ds:uri="http://schemas.microsoft.com/office/infopath/2007/PartnerControls"/>
-    <ds:schemaRef ds:uri="http://purl.org/dc/elements/1.1/"/>
-    <ds:schemaRef ds:uri="http://schemas.microsoft.com/office/2006/metadata/properties"/>
-    <ds:schemaRef ds:uri="ec66867a-10f6-473c-ae3a-98ae3888c21d"/>
-    <ds:schemaRef ds:uri="http://www.w3.org/XML/1998/namespace"/>
-    <ds:schemaRef ds:uri="http://purl.org/dc/dcmitype/"/>
-  </ds:schemaRefs>
-</ds:datastoreItem>
+<file path=customXml/item2.xml><?xml version="1.0" encoding="utf-8"?>
+<?mso-contentType ?>
+<FormTemplates xmlns="http://schemas.microsoft.com/sharepoint/v3/contenttype/forms">
+  <Display>DocumentLibraryForm</Display>
+  <Edit>DocumentLibraryForm</Edit>
+  <New>DocumentLibraryForm</New>
+</FormTemplates>
 </file>
 
-<file path=customXml/itemProps2.xml><?xml version="1.0" encoding="utf-8"?>
-<ds:datastoreItem xmlns:ds="http://schemas.openxmlformats.org/officeDocument/2006/customXml" ds:itemID="{91D20234-650E-4C78-B2B0-0A76B1256276}">
-  <ds:schemaRefs>
-    <ds:schemaRef ds:uri="http://schemas.microsoft.com/sharepoint/v3/contenttype/forms"/>
-  </ds:schemaRefs>
-</ds:datastoreItem>
+<file path=customXml/item3.xml><?xml version="1.0" encoding="utf-8"?>
+<p:properties xmlns:p="http://schemas.microsoft.com/office/2006/metadata/properties" xmlns:xsi="http://www.w3.org/2001/XMLSchema-instance" xmlns:pc="http://schemas.microsoft.com/office/infopath/2007/PartnerControls">
+  <documentManagement/>
+</p:properties>
 </file>
 
-<file path=customXml/itemProps3.xml><?xml version="1.0" encoding="utf-8"?>
+<file path=customXml/itemProps1.xml><?xml version="1.0" encoding="utf-8"?>
 <ds:datastoreItem xmlns:ds="http://schemas.openxmlformats.org/officeDocument/2006/customXml" ds:itemID="{8531B1E7-7091-4484-BE66-1C2B90F35CF0}">
   <ds:schemaRefs>
     <ds:schemaRef ds:uri="http://schemas.microsoft.com/office/2006/metadata/contentType"/>
@@ -8422,4 +8376,28 @@
     <ds:schemaRef ds:uri="http://schemas.microsoft.com/internal/obd"/>
   </ds:schemaRefs>
 </ds:datastoreItem>
+</file>
+
+<file path=customXml/itemProps2.xml><?xml version="1.0" encoding="utf-8"?>
+<ds:datastoreItem xmlns:ds="http://schemas.openxmlformats.org/officeDocument/2006/customXml" ds:itemID="{91D20234-650E-4C78-B2B0-0A76B1256276}">
+  <ds:schemaRefs>
+    <ds:schemaRef ds:uri="http://schemas.microsoft.com/sharepoint/v3/contenttype/forms"/>
+  </ds:schemaRefs>
+</ds:datastoreItem>
+</file>
+
+<file path=customXml/itemProps3.xml><?xml version="1.0" encoding="utf-8"?>
+<ds:datastoreItem xmlns:ds="http://schemas.openxmlformats.org/officeDocument/2006/customXml" ds:itemID="{3851461D-01A4-4431-AEE1-28A3E783A2BA}">
+  <ds:schemaRefs>
+    <ds:schemaRef ds:uri="http://purl.org/dc/dcmitype/"/>
+    <ds:schemaRef ds:uri="http://schemas.microsoft.com/office/infopath/2007/PartnerControls"/>
+    <ds:schemaRef ds:uri="http://schemas.microsoft.com/office/2006/documentManagement/types"/>
+    <ds:schemaRef ds:uri="http://purl.org/dc/elements/1.1/"/>
+    <ds:schemaRef ds:uri="http://schemas.microsoft.com/office/2006/metadata/properties"/>
+    <ds:schemaRef ds:uri="http://purl.org/dc/terms/"/>
+    <ds:schemaRef ds:uri="http://schemas.openxmlformats.org/package/2006/metadata/core-properties"/>
+    <ds:schemaRef ds:uri="ec66867a-10f6-473c-ae3a-98ae3888c21d"/>
+    <ds:schemaRef ds:uri="http://www.w3.org/XML/1998/namespace"/>
+  </ds:schemaRefs>
+</ds:datastoreItem>
 </file>
--- a/Chapter_4_Capstone_2_Milestone_Report_1.pptx
+++ b/Chapter_4_Capstone_2_Milestone_Report_1.pptx
@@ -130,7 +130,7 @@
 <file path=ppt/revisionInfo.xml><?xml version="1.0" encoding="utf-8"?>
 <p1510:revInfo xmlns:a="http://schemas.openxmlformats.org/drawingml/2006/main" xmlns:r="http://schemas.openxmlformats.org/officeDocument/2006/relationships" xmlns:p1510="http://schemas.microsoft.com/office/powerpoint/2015/10/main">
   <p1510:revLst>
-    <p1510:client id="{C546B4C0-DE17-41C0-B9F3-8B20B2A005BE}" v="905" dt="2019-10-08T01:16:54.802"/>
+    <p1510:client id="{C546B4C0-DE17-41C0-B9F3-8B20B2A005BE}" v="1003" dt="2019-10-11T13:29:33.916"/>
   </p1510:revLst>
 </p1510:revInfo>
 </file>
@@ -139,19 +139,57 @@
 <pc:chgInfo xmlns:a="http://schemas.openxmlformats.org/drawingml/2006/main" xmlns:r="http://schemas.openxmlformats.org/officeDocument/2006/relationships" xmlns:ac="http://schemas.microsoft.com/office/drawing/2013/main/command" xmlns:pc="http://schemas.microsoft.com/office/powerpoint/2013/main/command">
   <pc:docChgLst>
     <pc:chgData name="Nosbisch, Brock" userId="7e9a922f-63f0-45a6-8d77-37d3cf5d4573" providerId="ADAL" clId="{C546B4C0-DE17-41C0-B9F3-8B20B2A005BE}"/>
-    <pc:docChg chg="custSel addSld modSld">
-      <pc:chgData name="Nosbisch, Brock" userId="7e9a922f-63f0-45a6-8d77-37d3cf5d4573" providerId="ADAL" clId="{C546B4C0-DE17-41C0-B9F3-8B20B2A005BE}" dt="2019-10-08T01:16:54.802" v="47"/>
+    <pc:docChg chg="undo custSel addSld modSld">
+      <pc:chgData name="Nosbisch, Brock" userId="7e9a922f-63f0-45a6-8d77-37d3cf5d4573" providerId="ADAL" clId="{C546B4C0-DE17-41C0-B9F3-8B20B2A005BE}" dt="2019-10-11T13:29:33.916" v="145" actId="1076"/>
       <pc:docMkLst>
         <pc:docMk/>
       </pc:docMkLst>
+      <pc:sldChg chg="addSp delSp modSp">
+        <pc:chgData name="Nosbisch, Brock" userId="7e9a922f-63f0-45a6-8d77-37d3cf5d4573" providerId="ADAL" clId="{C546B4C0-DE17-41C0-B9F3-8B20B2A005BE}" dt="2019-10-11T13:29:33.916" v="145" actId="1076"/>
+        <pc:sldMkLst>
+          <pc:docMk/>
+          <pc:sldMk cId="1988004695" sldId="259"/>
+        </pc:sldMkLst>
+        <pc:picChg chg="del">
+          <ac:chgData name="Nosbisch, Brock" userId="7e9a922f-63f0-45a6-8d77-37d3cf5d4573" providerId="ADAL" clId="{C546B4C0-DE17-41C0-B9F3-8B20B2A005BE}" dt="2019-10-11T13:29:20.687" v="141" actId="478"/>
+          <ac:picMkLst>
+            <pc:docMk/>
+            <pc:sldMk cId="1988004695" sldId="259"/>
+            <ac:picMk id="10" creationId="{DD3BC312-DE1A-4CBA-9452-A8F7BAF0BE9E}"/>
+          </ac:picMkLst>
+        </pc:picChg>
+        <pc:picChg chg="add mod">
+          <ac:chgData name="Nosbisch, Brock" userId="7e9a922f-63f0-45a6-8d77-37d3cf5d4573" providerId="ADAL" clId="{C546B4C0-DE17-41C0-B9F3-8B20B2A005BE}" dt="2019-10-11T13:29:33.916" v="145" actId="1076"/>
+          <ac:picMkLst>
+            <pc:docMk/>
+            <pc:sldMk cId="1988004695" sldId="259"/>
+            <ac:picMk id="4098" creationId="{BFDDD2AE-2A41-454E-AC5A-776F796493C7}"/>
+          </ac:picMkLst>
+        </pc:picChg>
+      </pc:sldChg>
       <pc:sldChg chg="modSp">
-        <pc:chgData name="Nosbisch, Brock" userId="7e9a922f-63f0-45a6-8d77-37d3cf5d4573" providerId="ADAL" clId="{C546B4C0-DE17-41C0-B9F3-8B20B2A005BE}" dt="2019-10-08T01:16:54.802" v="47"/>
+        <pc:chgData name="Nosbisch, Brock" userId="7e9a922f-63f0-45a6-8d77-37d3cf5d4573" providerId="ADAL" clId="{C546B4C0-DE17-41C0-B9F3-8B20B2A005BE}" dt="2019-10-11T13:19:46.440" v="62" actId="20577"/>
+        <pc:sldMkLst>
+          <pc:docMk/>
+          <pc:sldMk cId="3918254835" sldId="263"/>
+        </pc:sldMkLst>
+        <pc:spChg chg="mod">
+          <ac:chgData name="Nosbisch, Brock" userId="7e9a922f-63f0-45a6-8d77-37d3cf5d4573" providerId="ADAL" clId="{C546B4C0-DE17-41C0-B9F3-8B20B2A005BE}" dt="2019-10-11T13:19:46.440" v="62" actId="20577"/>
+          <ac:spMkLst>
+            <pc:docMk/>
+            <pc:sldMk cId="3918254835" sldId="263"/>
+            <ac:spMk id="9" creationId="{DCF38C21-7F16-4389-8791-040B0A0490B2}"/>
+          </ac:spMkLst>
+        </pc:spChg>
+      </pc:sldChg>
+      <pc:sldChg chg="modSp">
+        <pc:chgData name="Nosbisch, Brock" userId="7e9a922f-63f0-45a6-8d77-37d3cf5d4573" providerId="ADAL" clId="{C546B4C0-DE17-41C0-B9F3-8B20B2A005BE}" dt="2019-10-11T13:22:24.464" v="89" actId="20577"/>
         <pc:sldMkLst>
           <pc:docMk/>
           <pc:sldMk cId="1686420601" sldId="264"/>
         </pc:sldMkLst>
         <pc:spChg chg="mod">
-          <ac:chgData name="Nosbisch, Brock" userId="7e9a922f-63f0-45a6-8d77-37d3cf5d4573" providerId="ADAL" clId="{C546B4C0-DE17-41C0-B9F3-8B20B2A005BE}" dt="2019-10-08T01:16:54.802" v="47"/>
+          <ac:chgData name="Nosbisch, Brock" userId="7e9a922f-63f0-45a6-8d77-37d3cf5d4573" providerId="ADAL" clId="{C546B4C0-DE17-41C0-B9F3-8B20B2A005BE}" dt="2019-10-11T13:22:24.464" v="89" actId="20577"/>
           <ac:spMkLst>
             <pc:docMk/>
             <pc:sldMk cId="1686420601" sldId="264"/>
@@ -159,8 +197,189 @@
           </ac:spMkLst>
         </pc:spChg>
       </pc:sldChg>
+      <pc:sldChg chg="addSp delSp modSp">
+        <pc:chgData name="Nosbisch, Brock" userId="7e9a922f-63f0-45a6-8d77-37d3cf5d4573" providerId="ADAL" clId="{C546B4C0-DE17-41C0-B9F3-8B20B2A005BE}" dt="2019-10-11T13:23:53.856" v="95" actId="1076"/>
+        <pc:sldMkLst>
+          <pc:docMk/>
+          <pc:sldMk cId="766412540" sldId="265"/>
+        </pc:sldMkLst>
+        <pc:picChg chg="add mod">
+          <ac:chgData name="Nosbisch, Brock" userId="7e9a922f-63f0-45a6-8d77-37d3cf5d4573" providerId="ADAL" clId="{C546B4C0-DE17-41C0-B9F3-8B20B2A005BE}" dt="2019-10-11T13:23:53.856" v="95" actId="1076"/>
+          <ac:picMkLst>
+            <pc:docMk/>
+            <pc:sldMk cId="766412540" sldId="265"/>
+            <ac:picMk id="3" creationId="{90708C1D-2123-491D-AA27-C67B76775E2D}"/>
+          </ac:picMkLst>
+        </pc:picChg>
+        <pc:picChg chg="del">
+          <ac:chgData name="Nosbisch, Brock" userId="7e9a922f-63f0-45a6-8d77-37d3cf5d4573" providerId="ADAL" clId="{C546B4C0-DE17-41C0-B9F3-8B20B2A005BE}" dt="2019-10-11T13:23:45.503" v="90" actId="478"/>
+          <ac:picMkLst>
+            <pc:docMk/>
+            <pc:sldMk cId="766412540" sldId="265"/>
+            <ac:picMk id="1026" creationId="{EBCAEFD7-346B-4923-B6EE-79D95237709B}"/>
+          </ac:picMkLst>
+        </pc:picChg>
+      </pc:sldChg>
+      <pc:sldChg chg="addSp delSp modSp">
+        <pc:chgData name="Nosbisch, Brock" userId="7e9a922f-63f0-45a6-8d77-37d3cf5d4573" providerId="ADAL" clId="{C546B4C0-DE17-41C0-B9F3-8B20B2A005BE}" dt="2019-10-11T13:24:13.728" v="100" actId="1076"/>
+        <pc:sldMkLst>
+          <pc:docMk/>
+          <pc:sldMk cId="2729084748" sldId="266"/>
+        </pc:sldMkLst>
+        <pc:picChg chg="add mod">
+          <ac:chgData name="Nosbisch, Brock" userId="7e9a922f-63f0-45a6-8d77-37d3cf5d4573" providerId="ADAL" clId="{C546B4C0-DE17-41C0-B9F3-8B20B2A005BE}" dt="2019-10-11T13:24:13.728" v="100" actId="1076"/>
+          <ac:picMkLst>
+            <pc:docMk/>
+            <pc:sldMk cId="2729084748" sldId="266"/>
+            <ac:picMk id="3" creationId="{D902B43C-3DFA-43FF-9026-E84F44847D03}"/>
+          </ac:picMkLst>
+        </pc:picChg>
+        <pc:picChg chg="del">
+          <ac:chgData name="Nosbisch, Brock" userId="7e9a922f-63f0-45a6-8d77-37d3cf5d4573" providerId="ADAL" clId="{C546B4C0-DE17-41C0-B9F3-8B20B2A005BE}" dt="2019-10-11T13:24:07.355" v="96" actId="478"/>
+          <ac:picMkLst>
+            <pc:docMk/>
+            <pc:sldMk cId="2729084748" sldId="266"/>
+            <ac:picMk id="2050" creationId="{04944705-BBC4-46EF-B9BC-2C181D3774F4}"/>
+          </ac:picMkLst>
+        </pc:picChg>
+      </pc:sldChg>
+      <pc:sldChg chg="addSp delSp modSp mod setBg">
+        <pc:chgData name="Nosbisch, Brock" userId="7e9a922f-63f0-45a6-8d77-37d3cf5d4573" providerId="ADAL" clId="{C546B4C0-DE17-41C0-B9F3-8B20B2A005BE}" dt="2019-10-11T13:26:36.414" v="119" actId="1076"/>
+        <pc:sldMkLst>
+          <pc:docMk/>
+          <pc:sldMk cId="1858591726" sldId="280"/>
+        </pc:sldMkLst>
+        <pc:spChg chg="mod ord">
+          <ac:chgData name="Nosbisch, Brock" userId="7e9a922f-63f0-45a6-8d77-37d3cf5d4573" providerId="ADAL" clId="{C546B4C0-DE17-41C0-B9F3-8B20B2A005BE}" dt="2019-10-11T13:25:41.419" v="108" actId="26606"/>
+          <ac:spMkLst>
+            <pc:docMk/>
+            <pc:sldMk cId="1858591726" sldId="280"/>
+            <ac:spMk id="2" creationId="{6CEC75AF-E8A3-4B02-8DDF-539884F4F744}"/>
+          </ac:spMkLst>
+        </pc:spChg>
+        <pc:spChg chg="add">
+          <ac:chgData name="Nosbisch, Brock" userId="7e9a922f-63f0-45a6-8d77-37d3cf5d4573" providerId="ADAL" clId="{C546B4C0-DE17-41C0-B9F3-8B20B2A005BE}" dt="2019-10-11T13:25:41.419" v="108" actId="26606"/>
+          <ac:spMkLst>
+            <pc:docMk/>
+            <pc:sldMk cId="1858591726" sldId="280"/>
+            <ac:spMk id="10" creationId="{58F305D9-36FC-424E-A383-F1B4070059A9}"/>
+          </ac:spMkLst>
+        </pc:spChg>
+        <pc:spChg chg="add">
+          <ac:chgData name="Nosbisch, Brock" userId="7e9a922f-63f0-45a6-8d77-37d3cf5d4573" providerId="ADAL" clId="{C546B4C0-DE17-41C0-B9F3-8B20B2A005BE}" dt="2019-10-11T13:25:41.419" v="108" actId="26606"/>
+          <ac:spMkLst>
+            <pc:docMk/>
+            <pc:sldMk cId="1858591726" sldId="280"/>
+            <ac:spMk id="13" creationId="{816F013F-3EFC-4CC3-A56F-94AD2E49409B}"/>
+          </ac:spMkLst>
+        </pc:spChg>
+        <pc:spChg chg="add">
+          <ac:chgData name="Nosbisch, Brock" userId="7e9a922f-63f0-45a6-8d77-37d3cf5d4573" providerId="ADAL" clId="{C546B4C0-DE17-41C0-B9F3-8B20B2A005BE}" dt="2019-10-11T13:25:41.419" v="108" actId="26606"/>
+          <ac:spMkLst>
+            <pc:docMk/>
+            <pc:sldMk cId="1858591726" sldId="280"/>
+            <ac:spMk id="15" creationId="{383B6E16-CE14-4B32-9D61-06547A15F49F}"/>
+          </ac:spMkLst>
+        </pc:spChg>
+        <pc:spChg chg="add">
+          <ac:chgData name="Nosbisch, Brock" userId="7e9a922f-63f0-45a6-8d77-37d3cf5d4573" providerId="ADAL" clId="{C546B4C0-DE17-41C0-B9F3-8B20B2A005BE}" dt="2019-10-11T13:25:41.419" v="108" actId="26606"/>
+          <ac:spMkLst>
+            <pc:docMk/>
+            <pc:sldMk cId="1858591726" sldId="280"/>
+            <ac:spMk id="17" creationId="{4F47C091-97DC-4D20-9310-65218D4A9917}"/>
+          </ac:spMkLst>
+        </pc:spChg>
+        <pc:spChg chg="add">
+          <ac:chgData name="Nosbisch, Brock" userId="7e9a922f-63f0-45a6-8d77-37d3cf5d4573" providerId="ADAL" clId="{C546B4C0-DE17-41C0-B9F3-8B20B2A005BE}" dt="2019-10-11T13:25:41.419" v="108" actId="26606"/>
+          <ac:spMkLst>
+            <pc:docMk/>
+            <pc:sldMk cId="1858591726" sldId="280"/>
+            <ac:spMk id="19" creationId="{C476236A-4C83-41D4-A3CF-D64A81F5E4C3}"/>
+          </ac:spMkLst>
+        </pc:spChg>
+        <pc:spChg chg="add">
+          <ac:chgData name="Nosbisch, Brock" userId="7e9a922f-63f0-45a6-8d77-37d3cf5d4573" providerId="ADAL" clId="{C546B4C0-DE17-41C0-B9F3-8B20B2A005BE}" dt="2019-10-11T13:25:41.419" v="108" actId="26606"/>
+          <ac:spMkLst>
+            <pc:docMk/>
+            <pc:sldMk cId="1858591726" sldId="280"/>
+            <ac:spMk id="21" creationId="{464F52C5-CC90-4BFA-84AD-47DFD30D6D6F}"/>
+          </ac:spMkLst>
+        </pc:spChg>
+        <pc:spChg chg="add">
+          <ac:chgData name="Nosbisch, Brock" userId="7e9a922f-63f0-45a6-8d77-37d3cf5d4573" providerId="ADAL" clId="{C546B4C0-DE17-41C0-B9F3-8B20B2A005BE}" dt="2019-10-11T13:25:41.419" v="108" actId="26606"/>
+          <ac:spMkLst>
+            <pc:docMk/>
+            <pc:sldMk cId="1858591726" sldId="280"/>
+            <ac:spMk id="23" creationId="{AE1578EE-AC37-4C94-98C6-4B322C6705C9}"/>
+          </ac:spMkLst>
+        </pc:spChg>
+        <pc:spChg chg="add">
+          <ac:chgData name="Nosbisch, Brock" userId="7e9a922f-63f0-45a6-8d77-37d3cf5d4573" providerId="ADAL" clId="{C546B4C0-DE17-41C0-B9F3-8B20B2A005BE}" dt="2019-10-11T13:25:41.419" v="108" actId="26606"/>
+          <ac:spMkLst>
+            <pc:docMk/>
+            <pc:sldMk cId="1858591726" sldId="280"/>
+            <ac:spMk id="25" creationId="{0055CAD6-F214-46F5-8689-93CBDA717584}"/>
+          </ac:spMkLst>
+        </pc:spChg>
+        <pc:spChg chg="add">
+          <ac:chgData name="Nosbisch, Brock" userId="7e9a922f-63f0-45a6-8d77-37d3cf5d4573" providerId="ADAL" clId="{C546B4C0-DE17-41C0-B9F3-8B20B2A005BE}" dt="2019-10-11T13:25:41.419" v="108" actId="26606"/>
+          <ac:spMkLst>
+            <pc:docMk/>
+            <pc:sldMk cId="1858591726" sldId="280"/>
+            <ac:spMk id="27" creationId="{F2A33DE3-FEF0-4DFE-9792-F2E4F5A13C18}"/>
+          </ac:spMkLst>
+        </pc:spChg>
+        <pc:picChg chg="del">
+          <ac:chgData name="Nosbisch, Brock" userId="7e9a922f-63f0-45a6-8d77-37d3cf5d4573" providerId="ADAL" clId="{C546B4C0-DE17-41C0-B9F3-8B20B2A005BE}" dt="2019-10-11T13:24:33.505" v="102" actId="478"/>
+          <ac:picMkLst>
+            <pc:docMk/>
+            <pc:sldMk cId="1858591726" sldId="280"/>
+            <ac:picMk id="3" creationId="{8B1A96FA-D525-40BB-B0B7-C3748EE82085}"/>
+          </ac:picMkLst>
+        </pc:picChg>
+        <pc:picChg chg="del">
+          <ac:chgData name="Nosbisch, Brock" userId="7e9a922f-63f0-45a6-8d77-37d3cf5d4573" providerId="ADAL" clId="{C546B4C0-DE17-41C0-B9F3-8B20B2A005BE}" dt="2019-10-11T13:24:33.505" v="102" actId="478"/>
+          <ac:picMkLst>
+            <pc:docMk/>
+            <pc:sldMk cId="1858591726" sldId="280"/>
+            <ac:picMk id="4" creationId="{B21E90C0-6B2E-417C-9F21-BB57A9961AC0}"/>
+          </ac:picMkLst>
+        </pc:picChg>
+        <pc:picChg chg="del mod">
+          <ac:chgData name="Nosbisch, Brock" userId="7e9a922f-63f0-45a6-8d77-37d3cf5d4573" providerId="ADAL" clId="{C546B4C0-DE17-41C0-B9F3-8B20B2A005BE}" dt="2019-10-11T13:24:33.505" v="102" actId="478"/>
+          <ac:picMkLst>
+            <pc:docMk/>
+            <pc:sldMk cId="1858591726" sldId="280"/>
+            <ac:picMk id="5" creationId="{2F0E4A1B-7543-4BF6-B088-7C58F8DED6F0}"/>
+          </ac:picMkLst>
+        </pc:picChg>
+        <pc:picChg chg="add mod ord">
+          <ac:chgData name="Nosbisch, Brock" userId="7e9a922f-63f0-45a6-8d77-37d3cf5d4573" providerId="ADAL" clId="{C546B4C0-DE17-41C0-B9F3-8B20B2A005BE}" dt="2019-10-11T13:26:28.686" v="116" actId="1076"/>
+          <ac:picMkLst>
+            <pc:docMk/>
+            <pc:sldMk cId="1858591726" sldId="280"/>
+            <ac:picMk id="6" creationId="{F80C2236-1172-48AC-9921-990190422B10}"/>
+          </ac:picMkLst>
+        </pc:picChg>
+        <pc:picChg chg="add mod">
+          <ac:chgData name="Nosbisch, Brock" userId="7e9a922f-63f0-45a6-8d77-37d3cf5d4573" providerId="ADAL" clId="{C546B4C0-DE17-41C0-B9F3-8B20B2A005BE}" dt="2019-10-11T13:25:41.419" v="108" actId="26606"/>
+          <ac:picMkLst>
+            <pc:docMk/>
+            <pc:sldMk cId="1858591726" sldId="280"/>
+            <ac:picMk id="7" creationId="{A8111CEA-5537-4C77-AF57-EEBA72EF2498}"/>
+          </ac:picMkLst>
+        </pc:picChg>
+        <pc:picChg chg="add mod">
+          <ac:chgData name="Nosbisch, Brock" userId="7e9a922f-63f0-45a6-8d77-37d3cf5d4573" providerId="ADAL" clId="{C546B4C0-DE17-41C0-B9F3-8B20B2A005BE}" dt="2019-10-11T13:26:36.414" v="119" actId="1076"/>
+          <ac:picMkLst>
+            <pc:docMk/>
+            <pc:sldMk cId="1858591726" sldId="280"/>
+            <ac:picMk id="8" creationId="{7073A2EB-5E5B-4764-A4F3-0338BD4053FE}"/>
+          </ac:picMkLst>
+        </pc:picChg>
+      </pc:sldChg>
       <pc:sldChg chg="addSp delSp modSp add">
-        <pc:chgData name="Nosbisch, Brock" userId="7e9a922f-63f0-45a6-8d77-37d3cf5d4573" providerId="ADAL" clId="{C546B4C0-DE17-41C0-B9F3-8B20B2A005BE}" dt="2019-10-08T01:16:13.136" v="21"/>
+        <pc:chgData name="Nosbisch, Brock" userId="7e9a922f-63f0-45a6-8d77-37d3cf5d4573" providerId="ADAL" clId="{C546B4C0-DE17-41C0-B9F3-8B20B2A005BE}" dt="2019-10-11T13:28:44.176" v="134" actId="1036"/>
         <pc:sldMkLst>
           <pc:docMk/>
           <pc:sldMk cId="287247585" sldId="282"/>
@@ -181,6 +400,14 @@
             <ac:picMk id="3" creationId="{8B1A96FA-D525-40BB-B0B7-C3748EE82085}"/>
           </ac:picMkLst>
         </pc:picChg>
+        <pc:picChg chg="add mod">
+          <ac:chgData name="Nosbisch, Brock" userId="7e9a922f-63f0-45a6-8d77-37d3cf5d4573" providerId="ADAL" clId="{C546B4C0-DE17-41C0-B9F3-8B20B2A005BE}" dt="2019-10-11T13:28:44.176" v="134" actId="1036"/>
+          <ac:picMkLst>
+            <pc:docMk/>
+            <pc:sldMk cId="287247585" sldId="282"/>
+            <ac:picMk id="3" creationId="{1B434C33-8E18-4435-A373-D6AFF84CF9AD}"/>
+          </ac:picMkLst>
+        </pc:picChg>
         <pc:picChg chg="del">
           <ac:chgData name="Nosbisch, Brock" userId="7e9a922f-63f0-45a6-8d77-37d3cf5d4573" providerId="ADAL" clId="{C546B4C0-DE17-41C0-B9F3-8B20B2A005BE}" dt="2019-10-08T01:15:36.171" v="5" actId="478"/>
           <ac:picMkLst>
@@ -197,8 +424,8 @@
             <ac:picMk id="5" creationId="{2F0E4A1B-7543-4BF6-B088-7C58F8DED6F0}"/>
           </ac:picMkLst>
         </pc:picChg>
-        <pc:picChg chg="add mod">
-          <ac:chgData name="Nosbisch, Brock" userId="7e9a922f-63f0-45a6-8d77-37d3cf5d4573" providerId="ADAL" clId="{C546B4C0-DE17-41C0-B9F3-8B20B2A005BE}" dt="2019-10-08T01:15:44.740" v="10" actId="1076"/>
+        <pc:picChg chg="add del mod">
+          <ac:chgData name="Nosbisch, Brock" userId="7e9a922f-63f0-45a6-8d77-37d3cf5d4573" providerId="ADAL" clId="{C546B4C0-DE17-41C0-B9F3-8B20B2A005BE}" dt="2019-10-11T13:27:31.119" v="120" actId="478"/>
           <ac:picMkLst>
             <pc:docMk/>
             <pc:sldMk cId="287247585" sldId="282"/>
@@ -215,7 +442,7 @@
         </pc:picChg>
       </pc:sldChg>
       <pc:sldChg chg="addSp delSp modSp add">
-        <pc:chgData name="Nosbisch, Brock" userId="7e9a922f-63f0-45a6-8d77-37d3cf5d4573" providerId="ADAL" clId="{C546B4C0-DE17-41C0-B9F3-8B20B2A005BE}" dt="2019-10-08T01:16:38.381" v="44" actId="1035"/>
+        <pc:chgData name="Nosbisch, Brock" userId="7e9a922f-63f0-45a6-8d77-37d3cf5d4573" providerId="ADAL" clId="{C546B4C0-DE17-41C0-B9F3-8B20B2A005BE}" dt="2019-10-11T13:29:10.548" v="140" actId="1076"/>
         <pc:sldMkLst>
           <pc:docMk/>
           <pc:sldMk cId="1571397694" sldId="283"/>
@@ -236,12 +463,20 @@
             <ac:picMk id="6" creationId="{CBA2BDCF-9FEE-434A-94F7-3FAA9813E7B2}"/>
           </ac:picMkLst>
         </pc:picChg>
-        <pc:picChg chg="add mod">
-          <ac:chgData name="Nosbisch, Brock" userId="7e9a922f-63f0-45a6-8d77-37d3cf5d4573" providerId="ADAL" clId="{C546B4C0-DE17-41C0-B9F3-8B20B2A005BE}" dt="2019-10-08T01:16:38.381" v="44" actId="1035"/>
+        <pc:picChg chg="add del mod">
+          <ac:chgData name="Nosbisch, Brock" userId="7e9a922f-63f0-45a6-8d77-37d3cf5d4573" providerId="ADAL" clId="{C546B4C0-DE17-41C0-B9F3-8B20B2A005BE}" dt="2019-10-11T13:29:00.294" v="135" actId="478"/>
           <ac:picMkLst>
             <pc:docMk/>
             <pc:sldMk cId="1571397694" sldId="283"/>
             <ac:picMk id="1026" creationId="{D755DF80-794B-4030-A78D-CC942E9AAB40}"/>
+          </ac:picMkLst>
+        </pc:picChg>
+        <pc:picChg chg="add mod">
+          <ac:chgData name="Nosbisch, Brock" userId="7e9a922f-63f0-45a6-8d77-37d3cf5d4573" providerId="ADAL" clId="{C546B4C0-DE17-41C0-B9F3-8B20B2A005BE}" dt="2019-10-11T13:29:10.548" v="140" actId="1076"/>
+          <ac:picMkLst>
+            <pc:docMk/>
+            <pc:sldMk cId="1571397694" sldId="283"/>
+            <ac:picMk id="3074" creationId="{4F3B86FF-41B2-4FF4-9882-99CF196EB27F}"/>
           </ac:picMkLst>
         </pc:picChg>
       </pc:sldChg>
@@ -1243,7 +1478,7 @@
             <a:fld id="{B61BEF0D-F0BB-DE4B-95CE-6DB70DBA9567}" type="datetimeFigureOut">
               <a:rPr lang="en-US" dirty="0"/>
               <a:pPr/>
-              <a:t>10/7/2019</a:t>
+              <a:t>10/11/2019</a:t>
             </a:fld>
             <a:endParaRPr lang="en-US" dirty="0"/>
           </a:p>
@@ -1502,7 +1737,7 @@
             <a:fld id="{B61BEF0D-F0BB-DE4B-95CE-6DB70DBA9567}" type="datetimeFigureOut">
               <a:rPr lang="en-US" dirty="0"/>
               <a:pPr/>
-              <a:t>10/7/2019</a:t>
+              <a:t>10/11/2019</a:t>
             </a:fld>
             <a:endParaRPr lang="en-US" dirty="0"/>
           </a:p>
@@ -1734,7 +1969,7 @@
             <a:fld id="{B61BEF0D-F0BB-DE4B-95CE-6DB70DBA9567}" type="datetimeFigureOut">
               <a:rPr lang="en-US" dirty="0"/>
               <a:pPr/>
-              <a:t>10/7/2019</a:t>
+              <a:t>10/11/2019</a:t>
             </a:fld>
             <a:endParaRPr lang="en-US" dirty="0"/>
           </a:p>
@@ -1971,7 +2206,7 @@
             <a:fld id="{B61BEF0D-F0BB-DE4B-95CE-6DB70DBA9567}" type="datetimeFigureOut">
               <a:rPr lang="en-US" dirty="0"/>
               <a:pPr/>
-              <a:t>10/7/2019</a:t>
+              <a:t>10/11/2019</a:t>
             </a:fld>
             <a:endParaRPr lang="en-US" dirty="0"/>
           </a:p>
@@ -2275,7 +2510,7 @@
             <a:fld id="{B61BEF0D-F0BB-DE4B-95CE-6DB70DBA9567}" type="datetimeFigureOut">
               <a:rPr lang="en-US" dirty="0"/>
               <a:pPr/>
-              <a:t>10/7/2019</a:t>
+              <a:t>10/11/2019</a:t>
             </a:fld>
             <a:endParaRPr lang="en-US" dirty="0"/>
           </a:p>
@@ -2574,7 +2809,7 @@
             <a:fld id="{B61BEF0D-F0BB-DE4B-95CE-6DB70DBA9567}" type="datetimeFigureOut">
               <a:rPr lang="en-US" dirty="0"/>
               <a:pPr/>
-              <a:t>10/7/2019</a:t>
+              <a:t>10/11/2019</a:t>
             </a:fld>
             <a:endParaRPr lang="en-US" dirty="0"/>
           </a:p>
@@ -2993,7 +3228,7 @@
             <a:fld id="{B61BEF0D-F0BB-DE4B-95CE-6DB70DBA9567}" type="datetimeFigureOut">
               <a:rPr lang="en-US" dirty="0"/>
               <a:pPr/>
-              <a:t>10/7/2019</a:t>
+              <a:t>10/11/2019</a:t>
             </a:fld>
             <a:endParaRPr lang="en-US" dirty="0"/>
           </a:p>
@@ -3152,7 +3387,7 @@
             <a:fld id="{B61BEF0D-F0BB-DE4B-95CE-6DB70DBA9567}" type="datetimeFigureOut">
               <a:rPr lang="en-US" dirty="0"/>
               <a:pPr/>
-              <a:t>10/7/2019</a:t>
+              <a:t>10/11/2019</a:t>
             </a:fld>
             <a:endParaRPr lang="en-US" dirty="0"/>
           </a:p>
@@ -3244,7 +3479,7 @@
             <a:fld id="{B61BEF0D-F0BB-DE4B-95CE-6DB70DBA9567}" type="datetimeFigureOut">
               <a:rPr lang="en-US" dirty="0"/>
               <a:pPr/>
-              <a:t>10/7/2019</a:t>
+              <a:t>10/11/2019</a:t>
             </a:fld>
             <a:endParaRPr lang="en-US" dirty="0"/>
           </a:p>
@@ -3619,7 +3854,7 @@
             <a:fld id="{B61BEF0D-F0BB-DE4B-95CE-6DB70DBA9567}" type="datetimeFigureOut">
               <a:rPr lang="en-US" dirty="0"/>
               <a:pPr/>
-              <a:t>10/7/2019</a:t>
+              <a:t>10/11/2019</a:t>
             </a:fld>
             <a:endParaRPr lang="en-US" dirty="0"/>
           </a:p>
@@ -3905,7 +4140,7 @@
             <a:fld id="{B61BEF0D-F0BB-DE4B-95CE-6DB70DBA9567}" type="datetimeFigureOut">
               <a:rPr lang="en-US" dirty="0"/>
               <a:pPr/>
-              <a:t>10/7/2019</a:t>
+              <a:t>10/11/2019</a:t>
             </a:fld>
             <a:endParaRPr lang="en-US" dirty="0"/>
           </a:p>
@@ -4113,7 +4348,7 @@
             <a:fld id="{B61BEF0D-F0BB-DE4B-95CE-6DB70DBA9567}" type="datetimeFigureOut">
               <a:rPr lang="en-US" dirty="0"/>
               <a:pPr/>
-              <a:t>10/7/2019</a:t>
+              <a:t>10/11/2019</a:t>
             </a:fld>
             <a:endParaRPr lang="en-US" dirty="0"/>
           </a:p>
@@ -4839,10 +5074,10 @@
       </p:sp>
       <p:pic>
         <p:nvPicPr>
-          <p:cNvPr id="1026" name="Picture 2" descr="https://lh4.googleusercontent.com/YBHv97aEPKsEPYMmUij821zgwv4crssaONamoPVxiF9xtVIlzKZJftncdhp-YOgg5XXe-9mBDBedrexMoWOb5hpMcs1ADWBj8eFa_nxaG1OPVx6aeGieXBHb2Yn_7G9BXnL1jKJ_">
+          <p:cNvPr id="3" name="Picture 2" descr="https://lh6.googleusercontent.com/0L8CRxRtHpTLLxMyWr9KwpVrupbrYI5IbiAO9n1-nC_niODOQ0TC5lrOR-ebSb9zkOhQwxKcxc-HYs8BZpQzYEVJy5oxpBvy-fZbeQvTbW-QD_tKtfzqAy6Pm_aDNpvPq_AIZXR-">
             <a:extLst>
               <a:ext uri="{FF2B5EF4-FFF2-40B4-BE49-F238E27FC236}">
-                <a16:creationId xmlns:a16="http://schemas.microsoft.com/office/drawing/2014/main" id="{EBCAEFD7-346B-4923-B6EE-79D95237709B}"/>
+                <a16:creationId xmlns:a16="http://schemas.microsoft.com/office/drawing/2014/main" id="{90708C1D-2123-491D-AA27-C67B76775E2D}"/>
               </a:ext>
             </a:extLst>
           </p:cNvPr>
@@ -4866,8 +5101,8 @@
         </p:blipFill>
         <p:spPr bwMode="auto">
           <a:xfrm>
-            <a:off x="1402001" y="2472400"/>
-            <a:ext cx="9387997" cy="3997586"/>
+            <a:off x="953984" y="2092978"/>
+            <a:ext cx="10284031" cy="4498097"/>
           </a:xfrm>
           <a:prstGeom prst="rect">
             <a:avLst/>
@@ -4950,10 +5185,10 @@
       </p:sp>
       <p:pic>
         <p:nvPicPr>
-          <p:cNvPr id="2050" name="Picture 2" descr="https://lh4.googleusercontent.com/89Snd_2TvBXZ-ODvTA3FSJ6NmDKnC8PdMdj-nOviY7tyeC3XlcZ3cRTEM-bsS17k6l7RQHfaHLQVf_Z4HaAvv4AKzgb_i1EVXIYW0E-4Q6s_eJSIqJ3llrRwDsAoJXxccxnv8GG6">
+          <p:cNvPr id="3" name="Picture 2" descr="https://lh5.googleusercontent.com/Cy2HihTI0CdHgJ4ZuPQBJ6Z1-wL-CzmPhxK4_TAgz5FE594m3JFU-63OdzZhG0ArtNNhSQGfMzGclVVYGlQhouR5sSDQDdwEQokIX1pVPjl8J5anNnaPvrwWksyzU_U3LQ2146tY">
             <a:extLst>
               <a:ext uri="{FF2B5EF4-FFF2-40B4-BE49-F238E27FC236}">
-                <a16:creationId xmlns:a16="http://schemas.microsoft.com/office/drawing/2014/main" id="{04944705-BBC4-46EF-B9BC-2C181D3774F4}"/>
+                <a16:creationId xmlns:a16="http://schemas.microsoft.com/office/drawing/2014/main" id="{D902B43C-3DFA-43FF-9026-E84F44847D03}"/>
               </a:ext>
             </a:extLst>
           </p:cNvPr>
@@ -4977,8 +5212,8 @@
         </p:blipFill>
         <p:spPr bwMode="auto">
           <a:xfrm>
-            <a:off x="2298480" y="1947862"/>
-            <a:ext cx="7246963" cy="4715074"/>
+            <a:off x="2422151" y="2101664"/>
+            <a:ext cx="7347697" cy="4553060"/>
           </a:xfrm>
           <a:prstGeom prst="rect">
             <a:avLst/>
@@ -5011,6 +5246,14 @@
 <file path=ppt/slides/slide12.xml><?xml version="1.0" encoding="utf-8"?>
 <p:sld xmlns:a="http://schemas.openxmlformats.org/drawingml/2006/main" xmlns:r="http://schemas.openxmlformats.org/officeDocument/2006/relationships" xmlns:p="http://schemas.openxmlformats.org/presentationml/2006/main">
   <p:cSld>
+    <p:bg>
+      <p:bgPr>
+        <a:solidFill>
+          <a:schemeClr val="bg1"/>
+        </a:solidFill>
+        <a:effectLst/>
+      </p:bgPr>
+    </p:bg>
     <p:spTree>
       <p:nvGrpSpPr>
         <p:cNvPr id="1" name=""/>
@@ -5027,49 +5270,346 @@
       </p:grpSpPr>
       <p:sp>
         <p:nvSpPr>
-          <p:cNvPr id="2" name="Title 1">
+          <p:cNvPr id="13" name="Rectangle 12">
             <a:extLst>
               <a:ext uri="{FF2B5EF4-FFF2-40B4-BE49-F238E27FC236}">
-                <a16:creationId xmlns:a16="http://schemas.microsoft.com/office/drawing/2014/main" id="{6CEC75AF-E8A3-4B02-8DDF-539884F4F744}"/>
+                <a16:creationId xmlns:a16="http://schemas.microsoft.com/office/drawing/2014/main" id="{816F013F-3EFC-4CC3-A56F-94AD2E49409B}"/>
+              </a:ext>
+              <a:ext uri="{C183D7F6-B498-43B3-948B-1728B52AA6E4}">
+                <adec:decorative xmlns:adec="http://schemas.microsoft.com/office/drawing/2017/decorative" val="1"/>
               </a:ext>
             </a:extLst>
           </p:cNvPr>
           <p:cNvSpPr>
-            <a:spLocks noGrp="1"/>
-          </p:cNvSpPr>
-          <p:nvPr>
-            <p:ph type="title"/>
+            <a:spLocks noGrp="1" noRot="1" noChangeAspect="1" noMove="1" noResize="1" noEditPoints="1" noAdjustHandles="1" noChangeArrowheads="1" noChangeShapeType="1" noTextEdit="1"/>
+          </p:cNvSpPr>
+          <p:nvPr>
+            <p:extLst>
+              <p:ext uri="{386F3935-93C4-4BCD-93E2-E3B085C9AB24}">
+                <p16:designElem xmlns:p16="http://schemas.microsoft.com/office/powerpoint/2015/main" val="1"/>
+              </p:ext>
+            </p:extLst>
           </p:nvPr>
         </p:nvSpPr>
         <p:spPr>
           <a:xfrm>
-            <a:off x="581191" y="776445"/>
-            <a:ext cx="10993549" cy="1140874"/>
-          </a:xfrm>
-        </p:spPr>
-        <p:txBody>
-          <a:bodyPr vert="horz" lIns="91440" tIns="45720" rIns="91440" bIns="45720" rtlCol="0" anchor="b">
-            <a:normAutofit/>
-          </a:bodyPr>
+            <a:off x="446534" y="457200"/>
+            <a:ext cx="3703320" cy="94997"/>
+          </a:xfrm>
+          <a:prstGeom prst="rect">
+            <a:avLst/>
+          </a:prstGeom>
+          <a:solidFill>
+            <a:schemeClr val="accent1"/>
+          </a:solidFill>
+          <a:ln>
+            <a:noFill/>
+          </a:ln>
+          <a:effectLst/>
+        </p:spPr>
+        <p:style>
+          <a:lnRef idx="1">
+            <a:schemeClr val="accent1"/>
+          </a:lnRef>
+          <a:fillRef idx="3">
+            <a:schemeClr val="accent1"/>
+          </a:fillRef>
+          <a:effectRef idx="2">
+            <a:schemeClr val="accent1"/>
+          </a:effectRef>
+          <a:fontRef idx="minor">
+            <a:schemeClr val="lt1"/>
+          </a:fontRef>
+        </p:style>
+      </p:sp>
+      <p:sp>
+        <p:nvSpPr>
+          <p:cNvPr id="15" name="Rectangle 14">
+            <a:extLst>
+              <a:ext uri="{FF2B5EF4-FFF2-40B4-BE49-F238E27FC236}">
+                <a16:creationId xmlns:a16="http://schemas.microsoft.com/office/drawing/2014/main" id="{383B6E16-CE14-4B32-9D61-06547A15F49F}"/>
+              </a:ext>
+              <a:ext uri="{C183D7F6-B498-43B3-948B-1728B52AA6E4}">
+                <adec:decorative xmlns:adec="http://schemas.microsoft.com/office/drawing/2017/decorative" val="1"/>
+              </a:ext>
+            </a:extLst>
+          </p:cNvPr>
+          <p:cNvSpPr>
+            <a:spLocks noGrp="1" noRot="1" noChangeAspect="1" noMove="1" noResize="1" noEditPoints="1" noAdjustHandles="1" noChangeArrowheads="1" noChangeShapeType="1" noTextEdit="1"/>
+          </p:cNvSpPr>
+          <p:nvPr>
+            <p:extLst>
+              <p:ext uri="{386F3935-93C4-4BCD-93E2-E3B085C9AB24}">
+                <p16:designElem xmlns:p16="http://schemas.microsoft.com/office/powerpoint/2015/main" val="1"/>
+              </p:ext>
+            </p:extLst>
+          </p:nvPr>
+        </p:nvSpPr>
+        <p:spPr>
+          <a:xfrm>
+            <a:off x="8042147" y="453643"/>
+            <a:ext cx="3703320" cy="98554"/>
+          </a:xfrm>
+          <a:prstGeom prst="rect">
+            <a:avLst/>
+          </a:prstGeom>
+          <a:solidFill>
+            <a:schemeClr val="accent4"/>
+          </a:solidFill>
+          <a:ln>
+            <a:noFill/>
+          </a:ln>
+          <a:effectLst/>
+        </p:spPr>
+        <p:style>
+          <a:lnRef idx="1">
+            <a:schemeClr val="accent1"/>
+          </a:lnRef>
+          <a:fillRef idx="3">
+            <a:schemeClr val="accent1"/>
+          </a:fillRef>
+          <a:effectRef idx="2">
+            <a:schemeClr val="accent1"/>
+          </a:effectRef>
+          <a:fontRef idx="minor">
+            <a:schemeClr val="lt1"/>
+          </a:fontRef>
+        </p:style>
+      </p:sp>
+      <p:sp>
+        <p:nvSpPr>
+          <p:cNvPr id="17" name="Rectangle 16">
+            <a:extLst>
+              <a:ext uri="{FF2B5EF4-FFF2-40B4-BE49-F238E27FC236}">
+                <a16:creationId xmlns:a16="http://schemas.microsoft.com/office/drawing/2014/main" id="{4F47C091-97DC-4D20-9310-65218D4A9917}"/>
+              </a:ext>
+              <a:ext uri="{C183D7F6-B498-43B3-948B-1728B52AA6E4}">
+                <adec:decorative xmlns:adec="http://schemas.microsoft.com/office/drawing/2017/decorative" val="1"/>
+              </a:ext>
+            </a:extLst>
+          </p:cNvPr>
+          <p:cNvSpPr>
+            <a:spLocks noGrp="1" noRot="1" noChangeAspect="1" noMove="1" noResize="1" noEditPoints="1" noAdjustHandles="1" noChangeArrowheads="1" noChangeShapeType="1" noTextEdit="1"/>
+          </p:cNvSpPr>
+          <p:nvPr>
+            <p:extLst>
+              <p:ext uri="{386F3935-93C4-4BCD-93E2-E3B085C9AB24}">
+                <p16:designElem xmlns:p16="http://schemas.microsoft.com/office/powerpoint/2015/main" val="1"/>
+              </p:ext>
+            </p:extLst>
+          </p:nvPr>
+        </p:nvSpPr>
+        <p:spPr>
+          <a:xfrm>
+            <a:off x="4241830" y="457200"/>
+            <a:ext cx="3703320" cy="91440"/>
+          </a:xfrm>
+          <a:prstGeom prst="rect">
+            <a:avLst/>
+          </a:prstGeom>
+          <a:solidFill>
+            <a:schemeClr val="accent2"/>
+          </a:solidFill>
+          <a:ln>
+            <a:noFill/>
+          </a:ln>
+          <a:effectLst/>
+        </p:spPr>
+        <p:style>
+          <a:lnRef idx="1">
+            <a:schemeClr val="accent1"/>
+          </a:lnRef>
+          <a:fillRef idx="3">
+            <a:schemeClr val="accent1"/>
+          </a:fillRef>
+          <a:effectRef idx="2">
+            <a:schemeClr val="accent1"/>
+          </a:effectRef>
+          <a:fontRef idx="minor">
+            <a:schemeClr val="lt1"/>
+          </a:fontRef>
+        </p:style>
+      </p:sp>
+      <p:sp>
+        <p:nvSpPr>
+          <p:cNvPr id="19" name="Rectangle 18">
+            <a:extLst>
+              <a:ext uri="{FF2B5EF4-FFF2-40B4-BE49-F238E27FC236}">
+                <a16:creationId xmlns:a16="http://schemas.microsoft.com/office/drawing/2014/main" id="{C476236A-4C83-41D4-A3CF-D64A81F5E4C3}"/>
+              </a:ext>
+              <a:ext uri="{C183D7F6-B498-43B3-948B-1728B52AA6E4}">
+                <adec:decorative xmlns:adec="http://schemas.microsoft.com/office/drawing/2017/decorative" val="1"/>
+              </a:ext>
+            </a:extLst>
+          </p:cNvPr>
+          <p:cNvSpPr>
+            <a:spLocks noGrp="1" noRot="1" noChangeAspect="1" noMove="1" noResize="1" noEditPoints="1" noAdjustHandles="1" noChangeArrowheads="1" noChangeShapeType="1" noTextEdit="1"/>
+          </p:cNvSpPr>
+          <p:nvPr>
+            <p:extLst>
+              <p:ext uri="{386F3935-93C4-4BCD-93E2-E3B085C9AB24}">
+                <p16:designElem xmlns:p16="http://schemas.microsoft.com/office/powerpoint/2015/main" val="1"/>
+              </p:ext>
+            </p:extLst>
+          </p:nvPr>
+        </p:nvSpPr>
+        <p:spPr>
+          <a:xfrm>
+            <a:off x="446534" y="3085765"/>
+            <a:ext cx="11262866" cy="3304800"/>
+          </a:xfrm>
+          <a:prstGeom prst="rect">
+            <a:avLst/>
+          </a:prstGeom>
+          <a:solidFill>
+            <a:schemeClr val="accent1"/>
+          </a:solidFill>
+          <a:ln>
+            <a:noFill/>
+          </a:ln>
+          <a:effectLst/>
+        </p:spPr>
+        <p:style>
+          <a:lnRef idx="1">
+            <a:schemeClr val="accent1"/>
+          </a:lnRef>
+          <a:fillRef idx="3">
+            <a:schemeClr val="accent1"/>
+          </a:fillRef>
+          <a:effectRef idx="2">
+            <a:schemeClr val="accent1"/>
+          </a:effectRef>
+          <a:fontRef idx="minor">
+            <a:schemeClr val="lt1"/>
+          </a:fontRef>
+        </p:style>
+      </p:sp>
+      <p:sp useBgFill="1">
+        <p:nvSpPr>
+          <p:cNvPr id="21" name="Rectangle 20">
+            <a:extLst>
+              <a:ext uri="{FF2B5EF4-FFF2-40B4-BE49-F238E27FC236}">
+                <a16:creationId xmlns:a16="http://schemas.microsoft.com/office/drawing/2014/main" id="{464F52C5-CC90-4BFA-84AD-47DFD30D6D6F}"/>
+              </a:ext>
+              <a:ext uri="{C183D7F6-B498-43B3-948B-1728B52AA6E4}">
+                <adec:decorative xmlns:adec="http://schemas.microsoft.com/office/drawing/2017/decorative" val="1"/>
+              </a:ext>
+            </a:extLst>
+          </p:cNvPr>
+          <p:cNvSpPr>
+            <a:spLocks noGrp="1" noRot="1" noChangeAspect="1" noMove="1" noResize="1" noEditPoints="1" noAdjustHandles="1" noChangeArrowheads="1" noChangeShapeType="1" noTextEdit="1"/>
+          </p:cNvSpPr>
+          <p:nvPr>
+            <p:extLst>
+              <p:ext uri="{386F3935-93C4-4BCD-93E2-E3B085C9AB24}">
+                <p16:designElem xmlns:p16="http://schemas.microsoft.com/office/powerpoint/2015/main" val="1"/>
+              </p:ext>
+            </p:extLst>
+          </p:nvPr>
+        </p:nvSpPr>
+        <p:spPr>
+          <a:xfrm>
+            <a:off x="0" y="0"/>
+            <a:ext cx="8036240" cy="6858000"/>
+          </a:xfrm>
+          <a:prstGeom prst="rect">
+            <a:avLst/>
+          </a:prstGeom>
+          <a:ln>
+            <a:noFill/>
+          </a:ln>
+        </p:spPr>
+        <p:style>
+          <a:lnRef idx="2">
+            <a:schemeClr val="accent1">
+              <a:shade val="50000"/>
+            </a:schemeClr>
+          </a:lnRef>
+          <a:fillRef idx="1">
+            <a:schemeClr val="accent1"/>
+          </a:fillRef>
+          <a:effectRef idx="0">
+            <a:schemeClr val="accent1"/>
+          </a:effectRef>
+          <a:fontRef idx="minor">
+            <a:schemeClr val="lt1"/>
+          </a:fontRef>
+        </p:style>
+        <p:txBody>
+          <a:bodyPr rtlCol="0" anchor="ctr"/>
           <a:lstStyle/>
           <a:p>
-            <a:r>
-              <a:rPr lang="en-US" sz="3600">
-                <a:solidFill>
-                  <a:srgbClr val="FFFFFF"/>
-                </a:solidFill>
-              </a:rPr>
-              <a:t>Exploratory data analysis (Stops by City)</a:t>
-            </a:r>
+            <a:pPr algn="ctr"/>
+            <a:endParaRPr lang="en-US"/>
+          </a:p>
+        </p:txBody>
+      </p:sp>
+      <p:sp useBgFill="1">
+        <p:nvSpPr>
+          <p:cNvPr id="23" name="Rectangle 22">
+            <a:extLst>
+              <a:ext uri="{FF2B5EF4-FFF2-40B4-BE49-F238E27FC236}">
+                <a16:creationId xmlns:a16="http://schemas.microsoft.com/office/drawing/2014/main" id="{AE1578EE-AC37-4C94-98C6-4B322C6705C9}"/>
+              </a:ext>
+              <a:ext uri="{C183D7F6-B498-43B3-948B-1728B52AA6E4}">
+                <adec:decorative xmlns:adec="http://schemas.microsoft.com/office/drawing/2017/decorative" val="1"/>
+              </a:ext>
+            </a:extLst>
+          </p:cNvPr>
+          <p:cNvSpPr>
+            <a:spLocks noGrp="1" noRot="1" noChangeAspect="1" noMove="1" noResize="1" noEditPoints="1" noAdjustHandles="1" noChangeArrowheads="1" noChangeShapeType="1" noTextEdit="1"/>
+          </p:cNvSpPr>
+          <p:nvPr>
+            <p:extLst>
+              <p:ext uri="{386F3935-93C4-4BCD-93E2-E3B085C9AB24}">
+                <p16:designElem xmlns:p16="http://schemas.microsoft.com/office/powerpoint/2015/main" val="1"/>
+              </p:ext>
+            </p:extLst>
+          </p:nvPr>
+        </p:nvSpPr>
+        <p:spPr>
+          <a:xfrm>
+            <a:off x="0" y="638175"/>
+            <a:ext cx="12191999" cy="6219825"/>
+          </a:xfrm>
+          <a:prstGeom prst="rect">
+            <a:avLst/>
+          </a:prstGeom>
+          <a:ln>
+            <a:noFill/>
+          </a:ln>
+        </p:spPr>
+        <p:style>
+          <a:lnRef idx="2">
+            <a:schemeClr val="accent1">
+              <a:shade val="50000"/>
+            </a:schemeClr>
+          </a:lnRef>
+          <a:fillRef idx="1">
+            <a:schemeClr val="accent1"/>
+          </a:fillRef>
+          <a:effectRef idx="0">
+            <a:schemeClr val="accent1"/>
+          </a:effectRef>
+          <a:fontRef idx="minor">
+            <a:schemeClr val="lt1"/>
+          </a:fontRef>
+        </p:style>
+        <p:txBody>
+          <a:bodyPr rtlCol="0" anchor="ctr"/>
+          <a:lstStyle/>
+          <a:p>
+            <a:pPr algn="ctr"/>
+            <a:endParaRPr lang="en-US"/>
           </a:p>
         </p:txBody>
       </p:sp>
       <p:pic>
         <p:nvPicPr>
-          <p:cNvPr id="5" name="Picture 4">
+          <p:cNvPr id="7" name="Picture 6">
             <a:extLst>
               <a:ext uri="{FF2B5EF4-FFF2-40B4-BE49-F238E27FC236}">
-                <a16:creationId xmlns:a16="http://schemas.microsoft.com/office/drawing/2014/main" id="{2F0E4A1B-7543-4BF6-B088-7C58F8DED6F0}"/>
+                <a16:creationId xmlns:a16="http://schemas.microsoft.com/office/drawing/2014/main" id="{A8111CEA-5537-4C77-AF57-EEBA72EF2498}"/>
               </a:ext>
             </a:extLst>
           </p:cNvPr>
@@ -5086,8 +5626,8 @@
         </p:blipFill>
         <p:spPr>
           <a:xfrm>
-            <a:off x="446533" y="3687928"/>
-            <a:ext cx="3703322" cy="1939371"/>
+            <a:off x="4541841" y="1006799"/>
+            <a:ext cx="3152065" cy="1708436"/>
           </a:xfrm>
           <a:prstGeom prst="rect">
             <a:avLst/>
@@ -5096,10 +5636,10 @@
       </p:pic>
       <p:pic>
         <p:nvPicPr>
-          <p:cNvPr id="3" name="Picture 2">
+          <p:cNvPr id="6" name="Picture 5">
             <a:extLst>
               <a:ext uri="{FF2B5EF4-FFF2-40B4-BE49-F238E27FC236}">
-                <a16:creationId xmlns:a16="http://schemas.microsoft.com/office/drawing/2014/main" id="{8B1A96FA-D525-40BB-B0B7-C3748EE82085}"/>
+                <a16:creationId xmlns:a16="http://schemas.microsoft.com/office/drawing/2014/main" id="{F80C2236-1172-48AC-9921-990190422B10}"/>
               </a:ext>
             </a:extLst>
           </p:cNvPr>
@@ -5116,20 +5656,118 @@
         </p:blipFill>
         <p:spPr>
           <a:xfrm>
-            <a:off x="4241831" y="3654004"/>
-            <a:ext cx="3703320" cy="2007219"/>
+            <a:off x="512809" y="1006412"/>
+            <a:ext cx="3190071" cy="1711117"/>
           </a:xfrm>
           <a:prstGeom prst="rect">
             <a:avLst/>
           </a:prstGeom>
         </p:spPr>
       </p:pic>
+      <p:sp>
+        <p:nvSpPr>
+          <p:cNvPr id="25" name="Rectangle 24">
+            <a:extLst>
+              <a:ext uri="{FF2B5EF4-FFF2-40B4-BE49-F238E27FC236}">
+                <a16:creationId xmlns:a16="http://schemas.microsoft.com/office/drawing/2014/main" id="{0055CAD6-F214-46F5-8689-93CBDA717584}"/>
+              </a:ext>
+              <a:ext uri="{C183D7F6-B498-43B3-948B-1728B52AA6E4}">
+                <adec:decorative xmlns:adec="http://schemas.microsoft.com/office/drawing/2017/decorative" val="1"/>
+              </a:ext>
+            </a:extLst>
+          </p:cNvPr>
+          <p:cNvSpPr>
+            <a:spLocks noGrp="1" noRot="1" noChangeAspect="1" noMove="1" noResize="1" noEditPoints="1" noAdjustHandles="1" noChangeArrowheads="1" noChangeShapeType="1" noTextEdit="1"/>
+          </p:cNvSpPr>
+          <p:nvPr>
+            <p:extLst>
+              <p:ext uri="{386F3935-93C4-4BCD-93E2-E3B085C9AB24}">
+                <p16:designElem xmlns:p16="http://schemas.microsoft.com/office/powerpoint/2015/main" val="1"/>
+              </p:ext>
+            </p:extLst>
+          </p:nvPr>
+        </p:nvSpPr>
+        <p:spPr>
+          <a:xfrm>
+            <a:off x="8036240" y="638175"/>
+            <a:ext cx="3709227" cy="5752390"/>
+          </a:xfrm>
+          <a:prstGeom prst="rect">
+            <a:avLst/>
+          </a:prstGeom>
+          <a:solidFill>
+            <a:schemeClr val="accent1"/>
+          </a:solidFill>
+          <a:ln>
+            <a:noFill/>
+          </a:ln>
+          <a:effectLst/>
+        </p:spPr>
+        <p:style>
+          <a:lnRef idx="1">
+            <a:schemeClr val="accent1"/>
+          </a:lnRef>
+          <a:fillRef idx="3">
+            <a:schemeClr val="accent1"/>
+          </a:fillRef>
+          <a:effectRef idx="2">
+            <a:schemeClr val="accent1"/>
+          </a:effectRef>
+          <a:fontRef idx="minor">
+            <a:schemeClr val="lt1"/>
+          </a:fontRef>
+        </p:style>
+      </p:sp>
+      <p:sp>
+        <p:nvSpPr>
+          <p:cNvPr id="2" name="Title 1">
+            <a:extLst>
+              <a:ext uri="{FF2B5EF4-FFF2-40B4-BE49-F238E27FC236}">
+                <a16:creationId xmlns:a16="http://schemas.microsoft.com/office/drawing/2014/main" id="{6CEC75AF-E8A3-4B02-8DDF-539884F4F744}"/>
+              </a:ext>
+            </a:extLst>
+          </p:cNvPr>
+          <p:cNvSpPr>
+            <a:spLocks noGrp="1"/>
+          </p:cNvSpPr>
+          <p:nvPr>
+            <p:ph type="title"/>
+          </p:nvPr>
+        </p:nvSpPr>
+        <p:spPr>
+          <a:xfrm>
+            <a:off x="8296274" y="1656292"/>
+            <a:ext cx="3150659" cy="2085869"/>
+          </a:xfrm>
+        </p:spPr>
+        <p:txBody>
+          <a:bodyPr vert="horz" lIns="91440" tIns="45720" rIns="91440" bIns="45720" rtlCol="0" anchor="b">
+            <a:normAutofit/>
+          </a:bodyPr>
+          <a:lstStyle/>
+          <a:p>
+            <a:pPr>
+              <a:lnSpc>
+                <a:spcPct val="90000"/>
+              </a:lnSpc>
+            </a:pPr>
+            <a:r>
+              <a:rPr lang="en-US" sz="3300">
+                <a:solidFill>
+                  <a:srgbClr val="FFFFFF"/>
+                </a:solidFill>
+              </a:rPr>
+              <a:t>Exploratory data analysis (Stops by City)</a:t>
+            </a:r>
+          </a:p>
+        </p:txBody>
+      </p:sp>
       <p:pic>
         <p:nvPicPr>
-          <p:cNvPr id="4" name="Picture 3">
+          <p:cNvPr id="8" name="Picture 7">
             <a:extLst>
               <a:ext uri="{FF2B5EF4-FFF2-40B4-BE49-F238E27FC236}">
-                <a16:creationId xmlns:a16="http://schemas.microsoft.com/office/drawing/2014/main" id="{B21E90C0-6B2E-417C-9F21-BB57A9961AC0}"/>
+                <a16:creationId xmlns:a16="http://schemas.microsoft.com/office/drawing/2014/main" id="{7073A2EB-5E5B-4764-A4F3-0338BD4053FE}"/>
               </a:ext>
             </a:extLst>
           </p:cNvPr>
@@ -5146,14 +5784,134 @@
         </p:blipFill>
         <p:spPr>
           <a:xfrm>
-            <a:off x="8037125" y="3645291"/>
-            <a:ext cx="3703322" cy="2024618"/>
+            <a:off x="1266989" y="3593187"/>
+            <a:ext cx="5764846" cy="3099378"/>
           </a:xfrm>
           <a:prstGeom prst="rect">
             <a:avLst/>
           </a:prstGeom>
         </p:spPr>
       </p:pic>
+      <p:sp>
+        <p:nvSpPr>
+          <p:cNvPr id="27" name="Rectangle 26">
+            <a:extLst>
+              <a:ext uri="{FF2B5EF4-FFF2-40B4-BE49-F238E27FC236}">
+                <a16:creationId xmlns:a16="http://schemas.microsoft.com/office/drawing/2014/main" id="{F2A33DE3-FEF0-4DFE-9792-F2E4F5A13C18}"/>
+              </a:ext>
+              <a:ext uri="{C183D7F6-B498-43B3-948B-1728B52AA6E4}">
+                <adec:decorative xmlns:adec="http://schemas.microsoft.com/office/drawing/2017/decorative" val="1"/>
+              </a:ext>
+            </a:extLst>
+          </p:cNvPr>
+          <p:cNvSpPr>
+            <a:spLocks noGrp="1" noRot="1" noChangeAspect="1" noMove="1" noResize="1" noEditPoints="1" noAdjustHandles="1" noChangeArrowheads="1" noChangeShapeType="1" noTextEdit="1"/>
+          </p:cNvSpPr>
+          <p:nvPr>
+            <p:extLst>
+              <p:ext uri="{386F3935-93C4-4BCD-93E2-E3B085C9AB24}">
+                <p16:designElem xmlns:p16="http://schemas.microsoft.com/office/powerpoint/2015/main" val="1"/>
+              </p:ext>
+            </p:extLst>
+          </p:nvPr>
+        </p:nvSpPr>
+        <p:spPr>
+          <a:xfrm>
+            <a:off x="446532" y="3387765"/>
+            <a:ext cx="7497731" cy="84189"/>
+          </a:xfrm>
+          <a:prstGeom prst="rect">
+            <a:avLst/>
+          </a:prstGeom>
+          <a:ln>
+            <a:noFill/>
+          </a:ln>
+        </p:spPr>
+        <p:style>
+          <a:lnRef idx="2">
+            <a:schemeClr val="accent1">
+              <a:shade val="50000"/>
+            </a:schemeClr>
+          </a:lnRef>
+          <a:fillRef idx="1">
+            <a:schemeClr val="accent1"/>
+          </a:fillRef>
+          <a:effectRef idx="0">
+            <a:schemeClr val="accent1"/>
+          </a:effectRef>
+          <a:fontRef idx="minor">
+            <a:schemeClr val="lt1"/>
+          </a:fontRef>
+        </p:style>
+        <p:txBody>
+          <a:bodyPr rtlCol="0" anchor="ctr"/>
+          <a:lstStyle/>
+          <a:p>
+            <a:pPr algn="ctr"/>
+            <a:endParaRPr lang="en-US"/>
+          </a:p>
+        </p:txBody>
+      </p:sp>
+      <p:sp>
+        <p:nvSpPr>
+          <p:cNvPr id="10" name="Rectangle 28">
+            <a:extLst>
+              <a:ext uri="{FF2B5EF4-FFF2-40B4-BE49-F238E27FC236}">
+                <a16:creationId xmlns:a16="http://schemas.microsoft.com/office/drawing/2014/main" id="{58F305D9-36FC-424E-A383-F1B4070059A9}"/>
+              </a:ext>
+              <a:ext uri="{C183D7F6-B498-43B3-948B-1728B52AA6E4}">
+                <adec:decorative xmlns:adec="http://schemas.microsoft.com/office/drawing/2017/decorative" val="1"/>
+              </a:ext>
+            </a:extLst>
+          </p:cNvPr>
+          <p:cNvSpPr>
+            <a:spLocks noGrp="1" noRot="1" noChangeAspect="1" noMove="1" noResize="1" noEditPoints="1" noAdjustHandles="1" noChangeArrowheads="1" noChangeShapeType="1" noTextEdit="1"/>
+          </p:cNvSpPr>
+          <p:nvPr>
+            <p:extLst>
+              <p:ext uri="{386F3935-93C4-4BCD-93E2-E3B085C9AB24}">
+                <p16:designElem xmlns:p16="http://schemas.microsoft.com/office/powerpoint/2015/main" val="1"/>
+              </p:ext>
+            </p:extLst>
+          </p:nvPr>
+        </p:nvSpPr>
+        <p:spPr>
+          <a:xfrm>
+            <a:off x="4149412" y="638175"/>
+            <a:ext cx="82296" cy="2790825"/>
+          </a:xfrm>
+          <a:prstGeom prst="rect">
+            <a:avLst/>
+          </a:prstGeom>
+          <a:ln>
+            <a:noFill/>
+          </a:ln>
+        </p:spPr>
+        <p:style>
+          <a:lnRef idx="2">
+            <a:schemeClr val="accent1">
+              <a:shade val="50000"/>
+            </a:schemeClr>
+          </a:lnRef>
+          <a:fillRef idx="1">
+            <a:schemeClr val="accent1"/>
+          </a:fillRef>
+          <a:effectRef idx="0">
+            <a:schemeClr val="accent1"/>
+          </a:effectRef>
+          <a:fontRef idx="minor">
+            <a:schemeClr val="lt1"/>
+          </a:fontRef>
+        </p:style>
+        <p:txBody>
+          <a:bodyPr rtlCol="0" anchor="ctr"/>
+          <a:lstStyle/>
+          <a:p>
+            <a:pPr algn="ctr"/>
+            <a:endParaRPr lang="en-US"/>
+          </a:p>
+        </p:txBody>
+      </p:sp>
     </p:spTree>
     <p:extLst>
       <p:ext uri="{BB962C8B-B14F-4D97-AF65-F5344CB8AC3E}">
@@ -5225,10 +5983,10 @@
       </p:sp>
       <p:pic>
         <p:nvPicPr>
-          <p:cNvPr id="6" name="Picture 5">
+          <p:cNvPr id="3" name="Picture 2">
             <a:extLst>
               <a:ext uri="{FF2B5EF4-FFF2-40B4-BE49-F238E27FC236}">
-                <a16:creationId xmlns:a16="http://schemas.microsoft.com/office/drawing/2014/main" id="{CBA2BDCF-9FEE-434A-94F7-3FAA9813E7B2}"/>
+                <a16:creationId xmlns:a16="http://schemas.microsoft.com/office/drawing/2014/main" id="{1B434C33-8E18-4435-A373-D6AFF84CF9AD}"/>
               </a:ext>
             </a:extLst>
           </p:cNvPr>
@@ -5245,8 +6003,8 @@
         </p:blipFill>
         <p:spPr>
           <a:xfrm>
-            <a:off x="1234181" y="2345705"/>
-            <a:ext cx="9723637" cy="4179843"/>
+            <a:off x="905957" y="2012569"/>
+            <a:ext cx="10344015" cy="4576764"/>
           </a:xfrm>
           <a:prstGeom prst="rect">
             <a:avLst/>
@@ -5324,10 +6082,10 @@
       </p:sp>
       <p:pic>
         <p:nvPicPr>
-          <p:cNvPr id="1026" name="Picture 2" descr="https://lh3.googleusercontent.com/DGyn3_fHNk8CKN74Q6xVFpoBpKkBEpFdYS6UZFhPHFNy5eY-g6dbb0KEEnYooODiz-UMQlm8pEsnokBWjwzxpnh4FASONDtslAtOkO88vwQ2XL6EBekEJyNMdsi9yp3QH26AQ7On">
+          <p:cNvPr id="3074" name="Picture 2" descr="https://lh4.googleusercontent.com/v13vuts6yBBDBDK_lUvB4hrHghwo4xin-_vDpxyiXCEBoqxU5wwAXVx92Y4oezF9yZK2Z25ZMccRl1v-ghIGwdZZM6AjJH4M1Xb19TShMHTfwScXZZDGErqO8uIRtoc7fZNl01XI">
             <a:extLst>
               <a:ext uri="{FF2B5EF4-FFF2-40B4-BE49-F238E27FC236}">
-                <a16:creationId xmlns:a16="http://schemas.microsoft.com/office/drawing/2014/main" id="{D755DF80-794B-4030-A78D-CC942E9AAB40}"/>
+                <a16:creationId xmlns:a16="http://schemas.microsoft.com/office/drawing/2014/main" id="{4F3B86FF-41B2-4FF4-9882-99CF196EB27F}"/>
               </a:ext>
             </a:extLst>
           </p:cNvPr>
@@ -5351,8 +6109,8 @@
         </p:blipFill>
         <p:spPr bwMode="auto">
           <a:xfrm>
-            <a:off x="1075007" y="2121523"/>
-            <a:ext cx="10041985" cy="4575113"/>
+            <a:off x="1700295" y="2069719"/>
+            <a:ext cx="8791409" cy="4554361"/>
           </a:xfrm>
           <a:prstGeom prst="rect">
             <a:avLst/>
@@ -5563,10 +6321,10 @@
       </p:sp>
       <p:pic>
         <p:nvPicPr>
-          <p:cNvPr id="10" name="Picture 2" descr="https://lh3.googleusercontent.com/3wVlaNLlTNEBY1H39gLPh72uFoTRaTMLnJnmbHjHVsI9tO41RzsfNUp9gR0EOeHUNUakhHkqzvLIKytcO6o2k2bJPFj9Sd79_8WCxQWIe-0XzrksdF8xT5mUPsbqJqLm1ePqeTBG">
+          <p:cNvPr id="4098" name="Picture 2" descr="https://lh3.googleusercontent.com/Q0k4uIiTwYRdOpj9n8FWen5hJUWPLC_SG2EvBkU3JlvNZNM2NyctFaLefRa2UIlxR4pPE8mIX5kmW78V8tjdXH1W9_5j3i4UqO1U28UMiK8HLl9uRjKyJ5GCQ6-_HOKF6o6uZaI4">
             <a:extLst>
               <a:ext uri="{FF2B5EF4-FFF2-40B4-BE49-F238E27FC236}">
-                <a16:creationId xmlns:a16="http://schemas.microsoft.com/office/drawing/2014/main" id="{DD3BC312-DE1A-4CBA-9452-A8F7BAF0BE9E}"/>
+                <a16:creationId xmlns:a16="http://schemas.microsoft.com/office/drawing/2014/main" id="{BFDDD2AE-2A41-454E-AC5A-776F796493C7}"/>
               </a:ext>
             </a:extLst>
           </p:cNvPr>
@@ -5590,8 +6348,8 @@
         </p:blipFill>
         <p:spPr bwMode="auto">
           <a:xfrm>
-            <a:off x="5689664" y="702155"/>
-            <a:ext cx="5081658" cy="5939980"/>
+            <a:off x="6374511" y="614405"/>
+            <a:ext cx="3335273" cy="6013598"/>
           </a:xfrm>
           <a:prstGeom prst="rect">
             <a:avLst/>
@@ -6980,7 +7738,7 @@
                   <a:schemeClr val="bg1"/>
                 </a:solidFill>
               </a:rPr>
-              <a:t>Some data needed to be removed for certain SA Statuses.</a:t>
+              <a:t>Some data needs to be removed for certain SA Statuses.</a:t>
             </a:r>
           </a:p>
           <a:p>
@@ -6990,7 +7748,7 @@
                   <a:schemeClr val="bg1"/>
                 </a:solidFill>
               </a:rPr>
-              <a:t>The data also had some bad data for Rate Class, Company, and Bill Cycle values.  The bad records were removed.</a:t>
+              <a:t>The data also has some bad data for Rate Class, Company, and Bill Cycle values.  The bad records will be removed.</a:t>
             </a:r>
           </a:p>
         </p:txBody>
@@ -7835,19 +8593,19 @@
             <a:pPr fontAlgn="base"/>
             <a:r>
               <a:rPr lang="en-US" dirty="0"/>
-              <a:t>The most frequent Start Date of the SAs that were stopped in March had started in October, November, and December of the previous year.</a:t>
+              <a:t>The most frequent Start Date of the SAs that were stopped in March had started gas service in October, November, and December of the previous year.</a:t>
             </a:r>
           </a:p>
           <a:p>
             <a:r>
               <a:rPr lang="en-US" dirty="0"/>
-              <a:t>The Residential Customer Class had the most stops during all 3 of the time windows but less than 1% of all active Residential SAs were stopped. The biggest offenders of stops during the 3 windows were Landlords and Builder/Developers. 14% of Landlord SAs were stopped during the 21 day window and 9% of Builder/Developer SAs were stopped during the same window.</a:t>
+              <a:t>The Residential Customer Class has the most stops during all 3 of the time windows but less than 1% of all active Residential SAs were stopped. The biggest offenders of stops during the 3 windows are Landlords and Builder/Developers. 14% of Landlord SAs stopped during the 21 day window and 9% of Builder/Developer SAs stopped during the same window.</a:t>
             </a:r>
           </a:p>
           <a:p>
             <a:r>
               <a:rPr lang="en-US" dirty="0"/>
-              <a:t>When looking at stops during the 7 day, 14 day, and 21 day windows by City, Webb City, Joplin, Cameron, and Aurora had the highest % of Active SAs that were stopped. Over 2% of all Active SAs in Aurora were stopped during the 21 day window.</a:t>
+              <a:t>When looking at stops during the 7 day, 14 day, and 21 day windows by City, Webb City, Joplin, Cameron, and Aurora have the highest % of Active SAs that were stopped. Over 2% of all Active SAs in Aurora are stopped during the 21 day window.</a:t>
             </a:r>
           </a:p>
           <a:p>
@@ -8162,6 +8920,21 @@
 </file>
 
 <file path=customXml/item1.xml><?xml version="1.0" encoding="utf-8"?>
+<p:properties xmlns:p="http://schemas.microsoft.com/office/2006/metadata/properties" xmlns:xsi="http://www.w3.org/2001/XMLSchema-instance" xmlns:pc="http://schemas.microsoft.com/office/infopath/2007/PartnerControls">
+  <documentManagement/>
+</p:properties>
+</file>
+
+<file path=customXml/item2.xml><?xml version="1.0" encoding="utf-8"?>
+<?mso-contentType ?>
+<FormTemplates xmlns="http://schemas.microsoft.com/sharepoint/v3/contenttype/forms">
+  <Display>DocumentLibraryForm</Display>
+  <Edit>DocumentLibraryForm</Edit>
+  <New>DocumentLibraryForm</New>
+</FormTemplates>
+</file>
+
+<file path=customXml/item3.xml><?xml version="1.0" encoding="utf-8"?>
 <ct:contentTypeSchema xmlns:ct="http://schemas.microsoft.com/office/2006/metadata/contentType" xmlns:ma="http://schemas.microsoft.com/office/2006/metadata/properties/metaAttributes" ct:_="" ma:_="" ma:contentTypeName="Document" ma:contentTypeID="0x01010093ED94F1AA0BF14B9CDCAC24A8C2BD64" ma:contentTypeVersion="10" ma:contentTypeDescription="Create a new document." ma:contentTypeScope="" ma:versionID="8e67d8605ac7a45e46a014c15ad13f95">
   <xsd:schema xmlns:xsd="http://www.w3.org/2001/XMLSchema" xmlns:xs="http://www.w3.org/2001/XMLSchema" xmlns:p="http://schemas.microsoft.com/office/2006/metadata/properties" xmlns:ns3="ec66867a-10f6-473c-ae3a-98ae3888c21d" targetNamespace="http://schemas.microsoft.com/office/2006/metadata/properties" ma:root="true" ma:fieldsID="69b1f0b069b680b51a8577324aca6898" ns3:_="">
     <xsd:import namespace="ec66867a-10f6-473c-ae3a-98ae3888c21d"/>
@@ -8345,22 +9118,31 @@
 </ct:contentTypeSchema>
 </file>
 
-<file path=customXml/item2.xml><?xml version="1.0" encoding="utf-8"?>
-<?mso-contentType ?>
-<FormTemplates xmlns="http://schemas.microsoft.com/sharepoint/v3/contenttype/forms">
-  <Display>DocumentLibraryForm</Display>
-  <Edit>DocumentLibraryForm</Edit>
-  <New>DocumentLibraryForm</New>
-</FormTemplates>
+<file path=customXml/itemProps1.xml><?xml version="1.0" encoding="utf-8"?>
+<ds:datastoreItem xmlns:ds="http://schemas.openxmlformats.org/officeDocument/2006/customXml" ds:itemID="{3851461D-01A4-4431-AEE1-28A3E783A2BA}">
+  <ds:schemaRefs>
+    <ds:schemaRef ds:uri="http://purl.org/dc/dcmitype/"/>
+    <ds:schemaRef ds:uri="http://schemas.microsoft.com/office/infopath/2007/PartnerControls"/>
+    <ds:schemaRef ds:uri="http://purl.org/dc/elements/1.1/"/>
+    <ds:schemaRef ds:uri="http://schemas.microsoft.com/office/2006/metadata/properties"/>
+    <ds:schemaRef ds:uri="http://schemas.microsoft.com/office/2006/documentManagement/types"/>
+    <ds:schemaRef ds:uri="http://purl.org/dc/terms/"/>
+    <ds:schemaRef ds:uri="http://schemas.openxmlformats.org/package/2006/metadata/core-properties"/>
+    <ds:schemaRef ds:uri="ec66867a-10f6-473c-ae3a-98ae3888c21d"/>
+    <ds:schemaRef ds:uri="http://www.w3.org/XML/1998/namespace"/>
+  </ds:schemaRefs>
+</ds:datastoreItem>
 </file>
 
-<file path=customXml/item3.xml><?xml version="1.0" encoding="utf-8"?>
-<p:properties xmlns:p="http://schemas.microsoft.com/office/2006/metadata/properties" xmlns:xsi="http://www.w3.org/2001/XMLSchema-instance" xmlns:pc="http://schemas.microsoft.com/office/infopath/2007/PartnerControls">
-  <documentManagement/>
-</p:properties>
+<file path=customXml/itemProps2.xml><?xml version="1.0" encoding="utf-8"?>
+<ds:datastoreItem xmlns:ds="http://schemas.openxmlformats.org/officeDocument/2006/customXml" ds:itemID="{91D20234-650E-4C78-B2B0-0A76B1256276}">
+  <ds:schemaRefs>
+    <ds:schemaRef ds:uri="http://schemas.microsoft.com/sharepoint/v3/contenttype/forms"/>
+  </ds:schemaRefs>
+</ds:datastoreItem>
 </file>
 
-<file path=customXml/itemProps1.xml><?xml version="1.0" encoding="utf-8"?>
+<file path=customXml/itemProps3.xml><?xml version="1.0" encoding="utf-8"?>
 <ds:datastoreItem xmlns:ds="http://schemas.openxmlformats.org/officeDocument/2006/customXml" ds:itemID="{8531B1E7-7091-4484-BE66-1C2B90F35CF0}">
   <ds:schemaRefs>
     <ds:schemaRef ds:uri="http://schemas.microsoft.com/office/2006/metadata/contentType"/>
@@ -8376,28 +9158,4 @@
     <ds:schemaRef ds:uri="http://schemas.microsoft.com/internal/obd"/>
   </ds:schemaRefs>
 </ds:datastoreItem>
-</file>
-
-<file path=customXml/itemProps2.xml><?xml version="1.0" encoding="utf-8"?>
-<ds:datastoreItem xmlns:ds="http://schemas.openxmlformats.org/officeDocument/2006/customXml" ds:itemID="{91D20234-650E-4C78-B2B0-0A76B1256276}">
-  <ds:schemaRefs>
-    <ds:schemaRef ds:uri="http://schemas.microsoft.com/sharepoint/v3/contenttype/forms"/>
-  </ds:schemaRefs>
-</ds:datastoreItem>
-</file>
-
-<file path=customXml/itemProps3.xml><?xml version="1.0" encoding="utf-8"?>
-<ds:datastoreItem xmlns:ds="http://schemas.openxmlformats.org/officeDocument/2006/customXml" ds:itemID="{3851461D-01A4-4431-AEE1-28A3E783A2BA}">
-  <ds:schemaRefs>
-    <ds:schemaRef ds:uri="http://purl.org/dc/dcmitype/"/>
-    <ds:schemaRef ds:uri="http://schemas.microsoft.com/office/infopath/2007/PartnerControls"/>
-    <ds:schemaRef ds:uri="http://schemas.microsoft.com/office/2006/documentManagement/types"/>
-    <ds:schemaRef ds:uri="http://purl.org/dc/elements/1.1/"/>
-    <ds:schemaRef ds:uri="http://schemas.microsoft.com/office/2006/metadata/properties"/>
-    <ds:schemaRef ds:uri="http://purl.org/dc/terms/"/>
-    <ds:schemaRef ds:uri="http://schemas.openxmlformats.org/package/2006/metadata/core-properties"/>
-    <ds:schemaRef ds:uri="ec66867a-10f6-473c-ae3a-98ae3888c21d"/>
-    <ds:schemaRef ds:uri="http://www.w3.org/XML/1998/namespace"/>
-  </ds:schemaRefs>
-</ds:datastoreItem>
 </file>